--- a/ppt/6주차.pptx
+++ b/ppt/6주차.pptx
@@ -19,10 +19,10 @@
     <p:sldId id="328" r:id="rId10"/>
     <p:sldId id="330" r:id="rId11"/>
     <p:sldId id="332" r:id="rId12"/>
-    <p:sldId id="326" r:id="rId13"/>
-    <p:sldId id="333" r:id="rId14"/>
-    <p:sldId id="311" r:id="rId15"/>
-    <p:sldId id="317" r:id="rId16"/>
+    <p:sldId id="334" r:id="rId13"/>
+    <p:sldId id="326" r:id="rId14"/>
+    <p:sldId id="333" r:id="rId15"/>
+    <p:sldId id="311" r:id="rId16"/>
     <p:sldId id="318" r:id="rId17"/>
     <p:sldId id="321" r:id="rId18"/>
     <p:sldId id="325" r:id="rId19"/>
@@ -218,7 +218,7 @@
           <a:p>
             <a:fld id="{8403E68E-9B88-4DB5-BADA-D5AB9607083E}" type="datetimeFigureOut">
               <a:rPr lang="ko-KR" altLang="en-US" smtClean="0"/>
-              <a:t>2021-08-12</a:t>
+              <a:t>2021-08-13</a:t>
             </a:fld>
             <a:endParaRPr lang="ko-KR" altLang="en-US"/>
           </a:p>
@@ -540,6 +540,192 @@
             <a:endParaRPr lang="en-US" altLang="ko-KR" dirty="0"/>
           </a:p>
           <a:p>
+            <a:pPr marL="0" marR="0" lvl="0" indent="0" algn="l" defTabSz="914400" rtl="0" eaLnBrk="1" fontAlgn="auto" latinLnBrk="1" hangingPunct="1">
+              <a:lnSpc>
+                <a:spcPct val="100000"/>
+              </a:lnSpc>
+              <a:spcBef>
+                <a:spcPts val="0"/>
+              </a:spcBef>
+              <a:spcAft>
+                <a:spcPts val="0"/>
+              </a:spcAft>
+              <a:buClrTx/>
+              <a:buSzTx/>
+              <a:buFontTx/>
+              <a:buNone/>
+              <a:tabLst/>
+              <a:defRPr/>
+            </a:pPr>
+            <a:r>
+              <a:rPr lang="en-US" altLang="ko-KR" dirty="0">
+                <a:solidFill>
+                  <a:srgbClr val="000000"/>
+                </a:solidFill>
+                <a:latin typeface="Nanum Gothic"/>
+              </a:rPr>
+              <a:t>1) validate() </a:t>
+            </a:r>
+            <a:r>
+              <a:rPr lang="ko-KR" altLang="en-US" dirty="0">
+                <a:solidFill>
+                  <a:srgbClr val="000000"/>
+                </a:solidFill>
+                <a:latin typeface="Nanum Gothic"/>
+              </a:rPr>
+              <a:t>에서 </a:t>
+            </a:r>
+            <a:r>
+              <a:rPr lang="en-US" altLang="ko-KR" dirty="0" err="1">
+                <a:solidFill>
+                  <a:srgbClr val="000000"/>
+                </a:solidFill>
+                <a:latin typeface="Nanum Gothic"/>
+              </a:rPr>
+              <a:t>val</a:t>
+            </a:r>
+            <a:r>
+              <a:rPr lang="en-US" altLang="ko-KR" dirty="0">
+                <a:solidFill>
+                  <a:srgbClr val="000000"/>
+                </a:solidFill>
+                <a:latin typeface="Nanum Gothic"/>
+              </a:rPr>
+              <a:t> </a:t>
+            </a:r>
+            <a:r>
+              <a:rPr lang="ko-KR" altLang="en-US" dirty="0">
+                <a:solidFill>
+                  <a:srgbClr val="000000"/>
+                </a:solidFill>
+                <a:latin typeface="Nanum Gothic"/>
+              </a:rPr>
+              <a:t>데이터셋에서 </a:t>
+            </a:r>
+            <a:r>
+              <a:rPr lang="en-US" altLang="ko-KR" dirty="0">
+                <a:solidFill>
+                  <a:srgbClr val="000000"/>
+                </a:solidFill>
+                <a:latin typeface="Nanum Gothic"/>
+              </a:rPr>
+              <a:t>prediction</a:t>
+            </a:r>
+            <a:r>
+              <a:rPr lang="ko-KR" altLang="en-US" dirty="0">
+                <a:solidFill>
+                  <a:srgbClr val="000000"/>
+                </a:solidFill>
+                <a:latin typeface="Nanum Gothic"/>
+              </a:rPr>
+              <a:t>한 문장 </a:t>
+            </a:r>
+            <a:r>
+              <a:rPr lang="en-US" altLang="ko-KR" dirty="0">
+                <a:solidFill>
+                  <a:srgbClr val="000000"/>
+                </a:solidFill>
+                <a:latin typeface="Nanum Gothic"/>
+              </a:rPr>
+              <a:t>hypothesis</a:t>
+            </a:r>
+            <a:r>
+              <a:rPr lang="ko-KR" altLang="en-US" dirty="0">
+                <a:solidFill>
+                  <a:srgbClr val="000000"/>
+                </a:solidFill>
+                <a:latin typeface="Nanum Gothic"/>
+              </a:rPr>
+              <a:t>와 </a:t>
+            </a:r>
+            <a:r>
+              <a:rPr lang="en-US" altLang="ko-KR" dirty="0">
+                <a:solidFill>
+                  <a:srgbClr val="000000"/>
+                </a:solidFill>
+                <a:latin typeface="Nanum Gothic"/>
+              </a:rPr>
+              <a:t>score </a:t>
+            </a:r>
+            <a:r>
+              <a:rPr lang="ko-KR" altLang="en-US" dirty="0">
+                <a:solidFill>
+                  <a:srgbClr val="000000"/>
+                </a:solidFill>
+                <a:latin typeface="Nanum Gothic"/>
+              </a:rPr>
+              <a:t>결과를 저장하고</a:t>
+            </a:r>
+            <a:r>
+              <a:rPr lang="en-US" altLang="ko-KR" dirty="0">
+                <a:solidFill>
+                  <a:srgbClr val="000000"/>
+                </a:solidFill>
+                <a:latin typeface="Nanum Gothic"/>
+              </a:rPr>
+              <a:t>, </a:t>
+            </a:r>
+            <a:r>
+              <a:rPr lang="ko-KR" altLang="en-US" dirty="0">
+                <a:solidFill>
+                  <a:srgbClr val="000000"/>
+                </a:solidFill>
+                <a:latin typeface="Nanum Gothic"/>
+              </a:rPr>
+              <a:t>상위 </a:t>
+            </a:r>
+            <a:r>
+              <a:rPr lang="en-US" altLang="ko-KR" dirty="0">
+                <a:solidFill>
+                  <a:srgbClr val="000000"/>
+                </a:solidFill>
+                <a:latin typeface="Nanum Gothic"/>
+              </a:rPr>
+              <a:t>10%, </a:t>
+            </a:r>
+            <a:r>
+              <a:rPr lang="ko-KR" altLang="en-US" dirty="0">
+                <a:solidFill>
+                  <a:srgbClr val="000000"/>
+                </a:solidFill>
+                <a:latin typeface="Nanum Gothic"/>
+              </a:rPr>
+              <a:t>하위</a:t>
+            </a:r>
+            <a:r>
+              <a:rPr lang="en-US" altLang="ko-KR" dirty="0">
+                <a:solidFill>
+                  <a:srgbClr val="000000"/>
+                </a:solidFill>
+                <a:latin typeface="Nanum Gothic"/>
+              </a:rPr>
+              <a:t>10% </a:t>
+            </a:r>
+            <a:r>
+              <a:rPr lang="ko-KR" altLang="en-US" dirty="0">
+                <a:solidFill>
+                  <a:srgbClr val="000000"/>
+                </a:solidFill>
+                <a:latin typeface="Nanum Gothic"/>
+              </a:rPr>
+              <a:t>출력</a:t>
+            </a:r>
+            <a:br>
+              <a:rPr lang="en-US" altLang="ko-KR" dirty="0">
+                <a:solidFill>
+                  <a:srgbClr val="000000"/>
+                </a:solidFill>
+                <a:latin typeface="Nanum Gothic"/>
+              </a:rPr>
+            </a:br>
+            <a:endParaRPr lang="en-US" altLang="ko-KR" dirty="0">
+              <a:solidFill>
+                <a:srgbClr val="000000"/>
+              </a:solidFill>
+              <a:latin typeface="Nanum Gothic"/>
+            </a:endParaRPr>
+          </a:p>
+          <a:p>
             <a:endParaRPr lang="ko-KR" altLang="en-US" dirty="0"/>
           </a:p>
         </p:txBody>
@@ -571,6 +757,101 @@
     <p:extLst>
       <p:ext uri="{BB962C8B-B14F-4D97-AF65-F5344CB8AC3E}">
         <p14:creationId xmlns:p14="http://schemas.microsoft.com/office/powerpoint/2010/main" val="749852922"/>
+      </p:ext>
+    </p:extLst>
+  </p:cSld>
+  <p:clrMapOvr>
+    <a:masterClrMapping/>
+  </p:clrMapOvr>
+</p:notes>
+</file>
+
+<file path=ppt/notesSlides/notesSlide10.xml><?xml version="1.0" encoding="utf-8"?>
+<p:notes xmlns:a="http://schemas.openxmlformats.org/drawingml/2006/main" xmlns:r="http://schemas.openxmlformats.org/officeDocument/2006/relationships" xmlns:p="http://schemas.openxmlformats.org/presentationml/2006/main">
+  <p:cSld>
+    <p:spTree>
+      <p:nvGrpSpPr>
+        <p:cNvPr id="1" name=""/>
+        <p:cNvGrpSpPr/>
+        <p:nvPr/>
+      </p:nvGrpSpPr>
+      <p:grpSpPr>
+        <a:xfrm>
+          <a:off x="0" y="0"/>
+          <a:ext cx="0" cy="0"/>
+          <a:chOff x="0" y="0"/>
+          <a:chExt cx="0" cy="0"/>
+        </a:xfrm>
+      </p:grpSpPr>
+      <p:sp>
+        <p:nvSpPr>
+          <p:cNvPr id="2" name="슬라이드 이미지 개체 틀 1"/>
+          <p:cNvSpPr>
+            <a:spLocks noGrp="1" noRot="1" noChangeAspect="1"/>
+          </p:cNvSpPr>
+          <p:nvPr>
+            <p:ph type="sldImg"/>
+          </p:nvPr>
+        </p:nvSpPr>
+        <p:spPr/>
+      </p:sp>
+      <p:sp>
+        <p:nvSpPr>
+          <p:cNvPr id="3" name="슬라이드 노트 개체 틀 2"/>
+          <p:cNvSpPr>
+            <a:spLocks noGrp="1"/>
+          </p:cNvSpPr>
+          <p:nvPr>
+            <p:ph type="body" idx="1"/>
+          </p:nvPr>
+        </p:nvSpPr>
+        <p:spPr/>
+        <p:txBody>
+          <a:bodyPr/>
+          <a:lstStyle/>
+          <a:p>
+            <a:r>
+              <a:rPr lang="en-US" altLang="ko-KR" dirty="0"/>
+              <a:t>https://mobicon.tistory.com/537 -&gt; </a:t>
+            </a:r>
+            <a:r>
+              <a:rPr lang="ko-KR" altLang="en-US" dirty="0"/>
+              <a:t>사진 참조</a:t>
+            </a:r>
+            <a:endParaRPr lang="en-US" altLang="ko-KR" dirty="0"/>
+          </a:p>
+          <a:p>
+            <a:endParaRPr lang="ko-KR" altLang="en-US" dirty="0"/>
+          </a:p>
+        </p:txBody>
+      </p:sp>
+      <p:sp>
+        <p:nvSpPr>
+          <p:cNvPr id="4" name="슬라이드 번호 개체 틀 3"/>
+          <p:cNvSpPr>
+            <a:spLocks noGrp="1"/>
+          </p:cNvSpPr>
+          <p:nvPr>
+            <p:ph type="sldNum" sz="quarter" idx="5"/>
+          </p:nvPr>
+        </p:nvSpPr>
+        <p:spPr/>
+        <p:txBody>
+          <a:bodyPr/>
+          <a:lstStyle/>
+          <a:p>
+            <a:fld id="{5FAAA766-79CA-47E4-9E45-0D897C7C3898}" type="slidenum">
+              <a:rPr lang="ko-KR" altLang="en-US" smtClean="0"/>
+              <a:t>15</a:t>
+            </a:fld>
+            <a:endParaRPr lang="ko-KR" altLang="en-US"/>
+          </a:p>
+        </p:txBody>
+      </p:sp>
+    </p:spTree>
+    <p:extLst>
+      <p:ext uri="{BB962C8B-B14F-4D97-AF65-F5344CB8AC3E}">
+        <p14:creationId xmlns:p14="http://schemas.microsoft.com/office/powerpoint/2010/main" val="2777335143"/>
       </p:ext>
     </p:extLst>
   </p:cSld>
@@ -848,12 +1129,40 @@
           <a:lstStyle/>
           <a:p>
             <a:r>
+              <a:rPr lang="ko-KR" altLang="en-US" dirty="0"/>
+              <a:t>단어가 </a:t>
+            </a:r>
+            <a:r>
               <a:rPr lang="en-US" altLang="ko-KR" dirty="0"/>
-              <a:t>https://wikidocs.net/31695 -&gt; blue </a:t>
+              <a:t>index</a:t>
             </a:r>
             <a:r>
               <a:rPr lang="ko-KR" altLang="en-US" dirty="0"/>
-              <a:t>설명</a:t>
+              <a:t>로 </a:t>
+            </a:r>
+            <a:r>
+              <a:rPr lang="ko-KR" altLang="en-US" dirty="0" err="1"/>
+              <a:t>바뀌어있는</a:t>
+            </a:r>
+            <a:r>
+              <a:rPr lang="ko-KR" altLang="en-US" dirty="0"/>
+              <a:t> 상태라고 생각</a:t>
+            </a:r>
+            <a:r>
+              <a:rPr lang="en-US" altLang="ko-KR" dirty="0"/>
+              <a:t>. pad, </a:t>
+            </a:r>
+            <a:r>
+              <a:rPr lang="en-US" altLang="ko-KR" dirty="0" err="1"/>
+              <a:t>strat</a:t>
+            </a:r>
+            <a:r>
+              <a:rPr lang="en-US" altLang="ko-KR" dirty="0"/>
+              <a:t> end </a:t>
+            </a:r>
+            <a:r>
+              <a:rPr lang="ko-KR" altLang="en-US" dirty="0"/>
+              <a:t>제거</a:t>
             </a:r>
           </a:p>
         </p:txBody>
@@ -875,7 +1184,7 @@
           <a:p>
             <a:fld id="{5FAAA766-79CA-47E4-9E45-0D897C7C3898}" type="slidenum">
               <a:rPr lang="ko-KR" altLang="en-US" smtClean="0"/>
-              <a:t>8</a:t>
+              <a:t>7</a:t>
             </a:fld>
             <a:endParaRPr lang="ko-KR" altLang="en-US"/>
           </a:p>
@@ -884,7 +1193,7 @@
     </p:spTree>
     <p:extLst>
       <p:ext uri="{BB962C8B-B14F-4D97-AF65-F5344CB8AC3E}">
-        <p14:creationId xmlns:p14="http://schemas.microsoft.com/office/powerpoint/2010/main" val="1378301320"/>
+        <p14:creationId xmlns:p14="http://schemas.microsoft.com/office/powerpoint/2010/main" val="32734560"/>
       </p:ext>
     </p:extLst>
   </p:cSld>
@@ -946,100 +1255,6 @@
               <a:rPr lang="ko-KR" altLang="en-US" dirty="0"/>
               <a:t>설명</a:t>
             </a:r>
-            <a:endParaRPr lang="en-US" altLang="ko-KR" dirty="0"/>
-          </a:p>
-          <a:p>
-            <a:pPr marL="0" marR="0" lvl="0" indent="0" algn="l" defTabSz="914400" rtl="0" eaLnBrk="1" fontAlgn="auto" latinLnBrk="1" hangingPunct="1">
-              <a:lnSpc>
-                <a:spcPct val="100000"/>
-              </a:lnSpc>
-              <a:spcBef>
-                <a:spcPts val="0"/>
-              </a:spcBef>
-              <a:spcAft>
-                <a:spcPts val="0"/>
-              </a:spcAft>
-              <a:buClrTx/>
-              <a:buSzTx/>
-              <a:buFontTx/>
-              <a:buNone/>
-              <a:tabLst/>
-              <a:defRPr/>
-            </a:pPr>
-            <a:r>
-              <a:rPr lang="ko-KR" altLang="en-US" b="0" i="0" dirty="0">
-                <a:solidFill>
-                  <a:srgbClr val="888888"/>
-                </a:solidFill>
-                <a:effectLst/>
-                <a:latin typeface="Consolas" panose="020B0609020204030204" pitchFamily="49" charset="0"/>
-              </a:rPr>
-              <a:t>모든 </a:t>
-            </a:r>
-            <a:r>
-              <a:rPr lang="en-US" altLang="ko-KR" b="0" i="0" dirty="0">
-                <a:solidFill>
-                  <a:srgbClr val="888888"/>
-                </a:solidFill>
-                <a:effectLst/>
-                <a:latin typeface="Consolas" panose="020B0609020204030204" pitchFamily="49" charset="0"/>
-              </a:rPr>
-              <a:t>Ref</a:t>
-            </a:r>
-            <a:r>
-              <a:rPr lang="ko-KR" altLang="en-US" b="0" i="0" dirty="0">
-                <a:solidFill>
-                  <a:srgbClr val="888888"/>
-                </a:solidFill>
-                <a:effectLst/>
-                <a:latin typeface="Consolas" panose="020B0609020204030204" pitchFamily="49" charset="0"/>
-              </a:rPr>
-              <a:t>에 대해서 비교하여 특정 </a:t>
-            </a:r>
-            <a:r>
-              <a:rPr lang="en-US" altLang="ko-KR" b="0" i="0" dirty="0">
-                <a:solidFill>
-                  <a:srgbClr val="888888"/>
-                </a:solidFill>
-                <a:effectLst/>
-                <a:latin typeface="Consolas" panose="020B0609020204030204" pitchFamily="49" charset="0"/>
-              </a:rPr>
-              <a:t>n-gram</a:t>
-            </a:r>
-            <a:r>
-              <a:rPr lang="ko-KR" altLang="en-US" b="0" i="0" dirty="0">
-                <a:solidFill>
-                  <a:srgbClr val="888888"/>
-                </a:solidFill>
-                <a:effectLst/>
-                <a:latin typeface="Consolas" panose="020B0609020204030204" pitchFamily="49" charset="0"/>
-              </a:rPr>
-              <a:t>이 하나의 </a:t>
-            </a:r>
-            <a:r>
-              <a:rPr lang="en-US" altLang="ko-KR" b="0" i="0" dirty="0">
-                <a:solidFill>
-                  <a:srgbClr val="888888"/>
-                </a:solidFill>
-                <a:effectLst/>
-                <a:latin typeface="Consolas" panose="020B0609020204030204" pitchFamily="49" charset="0"/>
-              </a:rPr>
-              <a:t>Ref</a:t>
-            </a:r>
-            <a:r>
-              <a:rPr lang="ko-KR" altLang="en-US" b="0" i="0" dirty="0">
-                <a:solidFill>
-                  <a:srgbClr val="888888"/>
-                </a:solidFill>
-                <a:effectLst/>
-                <a:latin typeface="Consolas" panose="020B0609020204030204" pitchFamily="49" charset="0"/>
-              </a:rPr>
-              <a:t>에 가장 많이 등장한 횟수를 저장</a:t>
-            </a:r>
-            <a:endParaRPr lang="ko-KR" altLang="en-US" dirty="0"/>
-          </a:p>
-          <a:p>
-            <a:endParaRPr lang="ko-KR" altLang="en-US" dirty="0"/>
           </a:p>
         </p:txBody>
       </p:sp>
@@ -1060,7 +1275,7 @@
           <a:p>
             <a:fld id="{5FAAA766-79CA-47E4-9E45-0D897C7C3898}" type="slidenum">
               <a:rPr lang="ko-KR" altLang="en-US" smtClean="0"/>
-              <a:t>9</a:t>
+              <a:t>8</a:t>
             </a:fld>
             <a:endParaRPr lang="ko-KR" altLang="en-US"/>
           </a:p>
@@ -1069,7 +1284,7 @@
     </p:spTree>
     <p:extLst>
       <p:ext uri="{BB962C8B-B14F-4D97-AF65-F5344CB8AC3E}">
-        <p14:creationId xmlns:p14="http://schemas.microsoft.com/office/powerpoint/2010/main" val="1359095011"/>
+        <p14:creationId xmlns:p14="http://schemas.microsoft.com/office/powerpoint/2010/main" val="1378301320"/>
       </p:ext>
     </p:extLst>
   </p:cSld>
@@ -1131,6 +1346,100 @@
               <a:rPr lang="ko-KR" altLang="en-US" dirty="0"/>
               <a:t>설명</a:t>
             </a:r>
+            <a:endParaRPr lang="en-US" altLang="ko-KR" dirty="0"/>
+          </a:p>
+          <a:p>
+            <a:pPr marL="0" marR="0" lvl="0" indent="0" algn="l" defTabSz="914400" rtl="0" eaLnBrk="1" fontAlgn="auto" latinLnBrk="1" hangingPunct="1">
+              <a:lnSpc>
+                <a:spcPct val="100000"/>
+              </a:lnSpc>
+              <a:spcBef>
+                <a:spcPts val="0"/>
+              </a:spcBef>
+              <a:spcAft>
+                <a:spcPts val="0"/>
+              </a:spcAft>
+              <a:buClrTx/>
+              <a:buSzTx/>
+              <a:buFontTx/>
+              <a:buNone/>
+              <a:tabLst/>
+              <a:defRPr/>
+            </a:pPr>
+            <a:r>
+              <a:rPr lang="ko-KR" altLang="en-US" b="0" i="0" dirty="0">
+                <a:solidFill>
+                  <a:srgbClr val="888888"/>
+                </a:solidFill>
+                <a:effectLst/>
+                <a:latin typeface="Consolas" panose="020B0609020204030204" pitchFamily="49" charset="0"/>
+              </a:rPr>
+              <a:t>모든 </a:t>
+            </a:r>
+            <a:r>
+              <a:rPr lang="en-US" altLang="ko-KR" b="0" i="0" dirty="0">
+                <a:solidFill>
+                  <a:srgbClr val="888888"/>
+                </a:solidFill>
+                <a:effectLst/>
+                <a:latin typeface="Consolas" panose="020B0609020204030204" pitchFamily="49" charset="0"/>
+              </a:rPr>
+              <a:t>Ref</a:t>
+            </a:r>
+            <a:r>
+              <a:rPr lang="ko-KR" altLang="en-US" b="0" i="0" dirty="0">
+                <a:solidFill>
+                  <a:srgbClr val="888888"/>
+                </a:solidFill>
+                <a:effectLst/>
+                <a:latin typeface="Consolas" panose="020B0609020204030204" pitchFamily="49" charset="0"/>
+              </a:rPr>
+              <a:t>에 대해서 비교하여 특정 </a:t>
+            </a:r>
+            <a:r>
+              <a:rPr lang="en-US" altLang="ko-KR" b="0" i="0" dirty="0">
+                <a:solidFill>
+                  <a:srgbClr val="888888"/>
+                </a:solidFill>
+                <a:effectLst/>
+                <a:latin typeface="Consolas" panose="020B0609020204030204" pitchFamily="49" charset="0"/>
+              </a:rPr>
+              <a:t>n-gram</a:t>
+            </a:r>
+            <a:r>
+              <a:rPr lang="ko-KR" altLang="en-US" b="0" i="0" dirty="0">
+                <a:solidFill>
+                  <a:srgbClr val="888888"/>
+                </a:solidFill>
+                <a:effectLst/>
+                <a:latin typeface="Consolas" panose="020B0609020204030204" pitchFamily="49" charset="0"/>
+              </a:rPr>
+              <a:t>이 하나의 </a:t>
+            </a:r>
+            <a:r>
+              <a:rPr lang="en-US" altLang="ko-KR" b="0" i="0" dirty="0">
+                <a:solidFill>
+                  <a:srgbClr val="888888"/>
+                </a:solidFill>
+                <a:effectLst/>
+                <a:latin typeface="Consolas" panose="020B0609020204030204" pitchFamily="49" charset="0"/>
+              </a:rPr>
+              <a:t>Ref</a:t>
+            </a:r>
+            <a:r>
+              <a:rPr lang="ko-KR" altLang="en-US" b="0" i="0" dirty="0">
+                <a:solidFill>
+                  <a:srgbClr val="888888"/>
+                </a:solidFill>
+                <a:effectLst/>
+                <a:latin typeface="Consolas" panose="020B0609020204030204" pitchFamily="49" charset="0"/>
+              </a:rPr>
+              <a:t>에 가장 많이 등장한 횟수를 저장</a:t>
+            </a:r>
+            <a:endParaRPr lang="ko-KR" altLang="en-US" dirty="0"/>
+          </a:p>
+          <a:p>
+            <a:endParaRPr lang="ko-KR" altLang="en-US" dirty="0"/>
           </a:p>
         </p:txBody>
       </p:sp>
@@ -1151,7 +1460,7 @@
           <a:p>
             <a:fld id="{5FAAA766-79CA-47E4-9E45-0D897C7C3898}" type="slidenum">
               <a:rPr lang="ko-KR" altLang="en-US" smtClean="0"/>
-              <a:t>10</a:t>
+              <a:t>9</a:t>
             </a:fld>
             <a:endParaRPr lang="ko-KR" altLang="en-US"/>
           </a:p>
@@ -1160,7 +1469,7 @@
     </p:spTree>
     <p:extLst>
       <p:ext uri="{BB962C8B-B14F-4D97-AF65-F5344CB8AC3E}">
-        <p14:creationId xmlns:p14="http://schemas.microsoft.com/office/powerpoint/2010/main" val="3742638160"/>
+        <p14:creationId xmlns:p14="http://schemas.microsoft.com/office/powerpoint/2010/main" val="1359095011"/>
       </p:ext>
     </p:extLst>
   </p:cSld>
@@ -1222,126 +1531,6 @@
               <a:rPr lang="ko-KR" altLang="en-US" dirty="0"/>
               <a:t>설명</a:t>
             </a:r>
-            <a:endParaRPr lang="en-US" altLang="ko-KR" dirty="0"/>
-          </a:p>
-          <a:p>
-            <a:pPr marL="0" marR="0" lvl="0" indent="0" algn="l" defTabSz="914400" rtl="0" eaLnBrk="1" fontAlgn="auto" latinLnBrk="1" hangingPunct="1">
-              <a:lnSpc>
-                <a:spcPct val="100000"/>
-              </a:lnSpc>
-              <a:spcBef>
-                <a:spcPts val="0"/>
-              </a:spcBef>
-              <a:spcAft>
-                <a:spcPts val="0"/>
-              </a:spcAft>
-              <a:buClrTx/>
-              <a:buSzTx/>
-              <a:buFontTx/>
-              <a:buNone/>
-              <a:tabLst/>
-              <a:defRPr/>
-            </a:pPr>
-            <a:r>
-              <a:rPr lang="en-US" altLang="ko-KR" dirty="0"/>
-              <a:t>N </a:t>
-            </a:r>
-            <a:r>
-              <a:rPr lang="ko-KR" altLang="en-US" dirty="0"/>
-              <a:t>값이</a:t>
-            </a:r>
-            <a:r>
-              <a:rPr lang="en-US" altLang="ko-KR" dirty="0"/>
-              <a:t> </a:t>
-            </a:r>
-            <a:r>
-              <a:rPr lang="en-US" altLang="ko-KR" dirty="0" err="1"/>
-              <a:t>corpus_bleu</a:t>
-            </a:r>
-            <a:r>
-              <a:rPr lang="ko-KR" altLang="en-US" dirty="0"/>
-              <a:t>의 입력으로 들어온 </a:t>
-            </a:r>
-            <a:r>
-              <a:rPr lang="en-US" altLang="ko-KR" dirty="0"/>
-              <a:t>hypothesis</a:t>
-            </a:r>
-            <a:r>
-              <a:rPr lang="ko-KR" altLang="en-US" dirty="0"/>
-              <a:t>의 개수 </a:t>
-            </a:r>
-            <a:r>
-              <a:rPr lang="ko-KR" altLang="en-US" dirty="0" err="1"/>
-              <a:t>인것으로</a:t>
-            </a:r>
-            <a:r>
-              <a:rPr lang="ko-KR" altLang="en-US" dirty="0"/>
-              <a:t> 알고 </a:t>
-            </a:r>
-            <a:r>
-              <a:rPr lang="en-US" altLang="ko-KR" dirty="0"/>
-              <a:t>Validation</a:t>
-            </a:r>
-            <a:r>
-              <a:rPr lang="ko-KR" altLang="en-US" dirty="0"/>
-              <a:t> </a:t>
-            </a:r>
-            <a:r>
-              <a:rPr lang="en-US" altLang="ko-KR" dirty="0"/>
-              <a:t>image –caption set</a:t>
-            </a:r>
-            <a:r>
-              <a:rPr lang="ko-KR" altLang="en-US" dirty="0"/>
-              <a:t>의 </a:t>
-            </a:r>
-            <a:r>
-              <a:rPr lang="en-US" altLang="ko-KR" dirty="0"/>
-              <a:t>bleu </a:t>
-            </a:r>
-            <a:r>
-              <a:rPr lang="ko-KR" altLang="en-US" dirty="0"/>
-              <a:t>값 상위</a:t>
-            </a:r>
-            <a:r>
-              <a:rPr lang="en-US" altLang="ko-KR" dirty="0"/>
-              <a:t>, </a:t>
-            </a:r>
-            <a:r>
-              <a:rPr lang="ko-KR" altLang="en-US" dirty="0"/>
-              <a:t>하위 </a:t>
-            </a:r>
-            <a:r>
-              <a:rPr lang="en-US" altLang="ko-KR" dirty="0"/>
-              <a:t>10</a:t>
-            </a:r>
-            <a:r>
-              <a:rPr lang="ko-KR" altLang="en-US" dirty="0"/>
-              <a:t>개 추출 하려하였으나 </a:t>
-            </a:r>
-            <a:r>
-              <a:rPr lang="ko-KR" altLang="en-US" dirty="0" err="1"/>
-              <a:t>아니여서</a:t>
-            </a:r>
-            <a:r>
-              <a:rPr lang="ko-KR" altLang="en-US" dirty="0"/>
-              <a:t> </a:t>
-            </a:r>
-            <a:r>
-              <a:rPr lang="ko-KR" altLang="en-US" dirty="0" err="1"/>
-              <a:t>한개씩</a:t>
-            </a:r>
-            <a:r>
-              <a:rPr lang="ko-KR" altLang="en-US" dirty="0"/>
-              <a:t> 넣어서 </a:t>
-            </a:r>
-            <a:r>
-              <a:rPr lang="ko-KR" altLang="en-US" dirty="0" err="1"/>
-              <a:t>실행중</a:t>
-            </a:r>
-            <a:endParaRPr lang="ko-KR" altLang="en-US" dirty="0"/>
-          </a:p>
-          <a:p>
-            <a:endParaRPr lang="ko-KR" altLang="en-US" dirty="0"/>
           </a:p>
         </p:txBody>
       </p:sp>
@@ -1362,7 +1551,7 @@
           <a:p>
             <a:fld id="{5FAAA766-79CA-47E4-9E45-0D897C7C3898}" type="slidenum">
               <a:rPr lang="ko-KR" altLang="en-US" smtClean="0"/>
-              <a:t>11</a:t>
+              <a:t>10</a:t>
             </a:fld>
             <a:endParaRPr lang="ko-KR" altLang="en-US"/>
           </a:p>
@@ -1371,7 +1560,7 @@
     </p:spTree>
     <p:extLst>
       <p:ext uri="{BB962C8B-B14F-4D97-AF65-F5344CB8AC3E}">
-        <p14:creationId xmlns:p14="http://schemas.microsoft.com/office/powerpoint/2010/main" val="2634768524"/>
+        <p14:creationId xmlns:p14="http://schemas.microsoft.com/office/powerpoint/2010/main" val="3742638160"/>
       </p:ext>
     </p:extLst>
   </p:cSld>
@@ -1427,13 +1616,129 @@
           <a:p>
             <a:r>
               <a:rPr lang="en-US" altLang="ko-KR" dirty="0"/>
-              <a:t>https://mobicon.tistory.com/537 -&gt; </a:t>
+              <a:t>https://wikidocs.net/31695 -&gt; blue </a:t>
             </a:r>
             <a:r>
               <a:rPr lang="ko-KR" altLang="en-US" dirty="0"/>
-              <a:t>사진 참조</a:t>
+              <a:t>설명</a:t>
             </a:r>
             <a:endParaRPr lang="en-US" altLang="ko-KR" dirty="0"/>
+          </a:p>
+          <a:p>
+            <a:pPr marL="0" marR="0" lvl="0" indent="0" algn="l" defTabSz="914400" rtl="0" eaLnBrk="1" fontAlgn="auto" latinLnBrk="1" hangingPunct="1">
+              <a:lnSpc>
+                <a:spcPct val="100000"/>
+              </a:lnSpc>
+              <a:spcBef>
+                <a:spcPts val="0"/>
+              </a:spcBef>
+              <a:spcAft>
+                <a:spcPts val="0"/>
+              </a:spcAft>
+              <a:buClrTx/>
+              <a:buSzTx/>
+              <a:buFontTx/>
+              <a:buNone/>
+              <a:tabLst/>
+              <a:defRPr/>
+            </a:pPr>
+            <a:r>
+              <a:rPr lang="en-US" altLang="ko-KR" dirty="0"/>
+              <a:t>N </a:t>
+            </a:r>
+            <a:r>
+              <a:rPr lang="ko-KR" altLang="en-US" dirty="0"/>
+              <a:t>값이</a:t>
+            </a:r>
+            <a:r>
+              <a:rPr lang="en-US" altLang="ko-KR" dirty="0"/>
+              <a:t> </a:t>
+            </a:r>
+            <a:r>
+              <a:rPr lang="en-US" altLang="ko-KR" dirty="0" err="1"/>
+              <a:t>corpus_bleu</a:t>
+            </a:r>
+            <a:r>
+              <a:rPr lang="ko-KR" altLang="en-US" dirty="0"/>
+              <a:t>의 입력으로 들어온 </a:t>
+            </a:r>
+            <a:r>
+              <a:rPr lang="en-US" altLang="ko-KR" dirty="0"/>
+              <a:t>hypothesis</a:t>
+            </a:r>
+            <a:r>
+              <a:rPr lang="ko-KR" altLang="en-US" dirty="0"/>
+              <a:t>의 개수 </a:t>
+            </a:r>
+            <a:r>
+              <a:rPr lang="ko-KR" altLang="en-US" dirty="0" err="1"/>
+              <a:t>인것으로</a:t>
+            </a:r>
+            <a:r>
+              <a:rPr lang="ko-KR" altLang="en-US" dirty="0"/>
+              <a:t> 알고 </a:t>
+            </a:r>
+            <a:r>
+              <a:rPr lang="en-US" altLang="ko-KR" dirty="0"/>
+              <a:t>Validation</a:t>
+            </a:r>
+            <a:r>
+              <a:rPr lang="ko-KR" altLang="en-US" dirty="0"/>
+              <a:t> </a:t>
+            </a:r>
+            <a:r>
+              <a:rPr lang="en-US" altLang="ko-KR" dirty="0"/>
+              <a:t>image –caption set</a:t>
+            </a:r>
+            <a:r>
+              <a:rPr lang="ko-KR" altLang="en-US" dirty="0"/>
+              <a:t>의 </a:t>
+            </a:r>
+            <a:r>
+              <a:rPr lang="en-US" altLang="ko-KR" dirty="0"/>
+              <a:t>bleu </a:t>
+            </a:r>
+            <a:r>
+              <a:rPr lang="ko-KR" altLang="en-US" dirty="0"/>
+              <a:t>값 상위</a:t>
+            </a:r>
+            <a:r>
+              <a:rPr lang="en-US" altLang="ko-KR" dirty="0"/>
+              <a:t>, </a:t>
+            </a:r>
+            <a:r>
+              <a:rPr lang="ko-KR" altLang="en-US" dirty="0"/>
+              <a:t>하위 </a:t>
+            </a:r>
+            <a:r>
+              <a:rPr lang="en-US" altLang="ko-KR" dirty="0"/>
+              <a:t>10</a:t>
+            </a:r>
+            <a:r>
+              <a:rPr lang="ko-KR" altLang="en-US" dirty="0"/>
+              <a:t>개 추출 하려하였으나 </a:t>
+            </a:r>
+            <a:r>
+              <a:rPr lang="ko-KR" altLang="en-US" dirty="0" err="1"/>
+              <a:t>아니여서</a:t>
+            </a:r>
+            <a:r>
+              <a:rPr lang="ko-KR" altLang="en-US" dirty="0"/>
+              <a:t> </a:t>
+            </a:r>
+            <a:r>
+              <a:rPr lang="ko-KR" altLang="en-US" dirty="0" err="1"/>
+              <a:t>한개씩</a:t>
+            </a:r>
+            <a:r>
+              <a:rPr lang="ko-KR" altLang="en-US" dirty="0"/>
+              <a:t> 넣어서 </a:t>
+            </a:r>
+            <a:r>
+              <a:rPr lang="ko-KR" altLang="en-US" dirty="0" err="1"/>
+              <a:t>실행중</a:t>
+            </a:r>
+            <a:endParaRPr lang="ko-KR" altLang="en-US" dirty="0"/>
           </a:p>
           <a:p>
             <a:endParaRPr lang="ko-KR" altLang="en-US" dirty="0"/>
@@ -1457,7 +1762,7 @@
           <a:p>
             <a:fld id="{5FAAA766-79CA-47E4-9E45-0D897C7C3898}" type="slidenum">
               <a:rPr lang="ko-KR" altLang="en-US" smtClean="0"/>
-              <a:t>14</a:t>
+              <a:t>11</a:t>
             </a:fld>
             <a:endParaRPr lang="ko-KR" altLang="en-US"/>
           </a:p>
@@ -1466,7 +1771,218 @@
     </p:spTree>
     <p:extLst>
       <p:ext uri="{BB962C8B-B14F-4D97-AF65-F5344CB8AC3E}">
-        <p14:creationId xmlns:p14="http://schemas.microsoft.com/office/powerpoint/2010/main" val="2777335143"/>
+        <p14:creationId xmlns:p14="http://schemas.microsoft.com/office/powerpoint/2010/main" val="2634768524"/>
+      </p:ext>
+    </p:extLst>
+  </p:cSld>
+  <p:clrMapOvr>
+    <a:masterClrMapping/>
+  </p:clrMapOvr>
+</p:notes>
+</file>
+
+<file path=ppt/notesSlides/notesSlide9.xml><?xml version="1.0" encoding="utf-8"?>
+<p:notes xmlns:a="http://schemas.openxmlformats.org/drawingml/2006/main" xmlns:r="http://schemas.openxmlformats.org/officeDocument/2006/relationships" xmlns:p="http://schemas.openxmlformats.org/presentationml/2006/main">
+  <p:cSld>
+    <p:spTree>
+      <p:nvGrpSpPr>
+        <p:cNvPr id="1" name=""/>
+        <p:cNvGrpSpPr/>
+        <p:nvPr/>
+      </p:nvGrpSpPr>
+      <p:grpSpPr>
+        <a:xfrm>
+          <a:off x="0" y="0"/>
+          <a:ext cx="0" cy="0"/>
+          <a:chOff x="0" y="0"/>
+          <a:chExt cx="0" cy="0"/>
+        </a:xfrm>
+      </p:grpSpPr>
+      <p:sp>
+        <p:nvSpPr>
+          <p:cNvPr id="2" name="슬라이드 이미지 개체 틀 1"/>
+          <p:cNvSpPr>
+            <a:spLocks noGrp="1" noRot="1" noChangeAspect="1"/>
+          </p:cNvSpPr>
+          <p:nvPr>
+            <p:ph type="sldImg"/>
+          </p:nvPr>
+        </p:nvSpPr>
+        <p:spPr/>
+      </p:sp>
+      <p:sp>
+        <p:nvSpPr>
+          <p:cNvPr id="3" name="슬라이드 노트 개체 틀 2"/>
+          <p:cNvSpPr>
+            <a:spLocks noGrp="1"/>
+          </p:cNvSpPr>
+          <p:nvPr>
+            <p:ph type="body" idx="1"/>
+          </p:nvPr>
+        </p:nvSpPr>
+        <p:spPr/>
+        <p:txBody>
+          <a:bodyPr/>
+          <a:lstStyle/>
+          <a:p>
+            <a:r>
+              <a:rPr lang="en-US" altLang="ko-KR" dirty="0"/>
+              <a:t>https://wikidocs.net/31695 -&gt; blue </a:t>
+            </a:r>
+            <a:r>
+              <a:rPr lang="ko-KR" altLang="en-US" dirty="0"/>
+              <a:t>설명</a:t>
+            </a:r>
+            <a:endParaRPr lang="en-US" altLang="ko-KR" dirty="0"/>
+          </a:p>
+          <a:p>
+            <a:pPr marL="0" marR="0" lvl="0" indent="0" algn="l" defTabSz="914400" rtl="0" eaLnBrk="1" fontAlgn="auto" latinLnBrk="1" hangingPunct="1">
+              <a:lnSpc>
+                <a:spcPct val="100000"/>
+              </a:lnSpc>
+              <a:spcBef>
+                <a:spcPts val="0"/>
+              </a:spcBef>
+              <a:spcAft>
+                <a:spcPts val="0"/>
+              </a:spcAft>
+              <a:buClrTx/>
+              <a:buSzTx/>
+              <a:buFontTx/>
+              <a:buNone/>
+              <a:tabLst/>
+              <a:defRPr/>
+            </a:pPr>
+            <a:r>
+              <a:rPr lang="en-US" altLang="ko-KR" dirty="0"/>
+              <a:t>N </a:t>
+            </a:r>
+            <a:r>
+              <a:rPr lang="ko-KR" altLang="en-US" dirty="0"/>
+              <a:t>값이</a:t>
+            </a:r>
+            <a:r>
+              <a:rPr lang="en-US" altLang="ko-KR" dirty="0"/>
+              <a:t> </a:t>
+            </a:r>
+            <a:r>
+              <a:rPr lang="en-US" altLang="ko-KR" dirty="0" err="1"/>
+              <a:t>corpus_bleu</a:t>
+            </a:r>
+            <a:r>
+              <a:rPr lang="ko-KR" altLang="en-US" dirty="0"/>
+              <a:t>의 입력으로 들어온 </a:t>
+            </a:r>
+            <a:r>
+              <a:rPr lang="en-US" altLang="ko-KR" dirty="0"/>
+              <a:t>hypothesis</a:t>
+            </a:r>
+            <a:r>
+              <a:rPr lang="ko-KR" altLang="en-US" dirty="0"/>
+              <a:t>의 개수 </a:t>
+            </a:r>
+            <a:r>
+              <a:rPr lang="ko-KR" altLang="en-US" dirty="0" err="1"/>
+              <a:t>인것으로</a:t>
+            </a:r>
+            <a:r>
+              <a:rPr lang="ko-KR" altLang="en-US" dirty="0"/>
+              <a:t> 알고 </a:t>
+            </a:r>
+            <a:r>
+              <a:rPr lang="en-US" altLang="ko-KR" dirty="0"/>
+              <a:t>Validation</a:t>
+            </a:r>
+            <a:r>
+              <a:rPr lang="ko-KR" altLang="en-US" dirty="0"/>
+              <a:t> </a:t>
+            </a:r>
+            <a:r>
+              <a:rPr lang="en-US" altLang="ko-KR" dirty="0"/>
+              <a:t>image –caption set</a:t>
+            </a:r>
+            <a:r>
+              <a:rPr lang="ko-KR" altLang="en-US" dirty="0"/>
+              <a:t>의 </a:t>
+            </a:r>
+            <a:r>
+              <a:rPr lang="en-US" altLang="ko-KR" dirty="0"/>
+              <a:t>bleu </a:t>
+            </a:r>
+            <a:r>
+              <a:rPr lang="ko-KR" altLang="en-US" dirty="0"/>
+              <a:t>값 상위</a:t>
+            </a:r>
+            <a:r>
+              <a:rPr lang="en-US" altLang="ko-KR" dirty="0"/>
+              <a:t>, </a:t>
+            </a:r>
+            <a:r>
+              <a:rPr lang="ko-KR" altLang="en-US" dirty="0"/>
+              <a:t>하위 </a:t>
+            </a:r>
+            <a:r>
+              <a:rPr lang="en-US" altLang="ko-KR" dirty="0"/>
+              <a:t>10</a:t>
+            </a:r>
+            <a:r>
+              <a:rPr lang="ko-KR" altLang="en-US" dirty="0"/>
+              <a:t>개 추출 하려하였으나 </a:t>
+            </a:r>
+            <a:r>
+              <a:rPr lang="ko-KR" altLang="en-US" dirty="0" err="1"/>
+              <a:t>아니여서</a:t>
+            </a:r>
+            <a:r>
+              <a:rPr lang="ko-KR" altLang="en-US" dirty="0"/>
+              <a:t> </a:t>
+            </a:r>
+            <a:r>
+              <a:rPr lang="ko-KR" altLang="en-US" dirty="0" err="1"/>
+              <a:t>한개씩</a:t>
+            </a:r>
+            <a:r>
+              <a:rPr lang="ko-KR" altLang="en-US" dirty="0"/>
+              <a:t> 넣어서 </a:t>
+            </a:r>
+            <a:r>
+              <a:rPr lang="ko-KR" altLang="en-US" dirty="0" err="1"/>
+              <a:t>실행중</a:t>
+            </a:r>
+            <a:endParaRPr lang="ko-KR" altLang="en-US" dirty="0"/>
+          </a:p>
+          <a:p>
+            <a:endParaRPr lang="ko-KR" altLang="en-US" dirty="0"/>
+          </a:p>
+        </p:txBody>
+      </p:sp>
+      <p:sp>
+        <p:nvSpPr>
+          <p:cNvPr id="4" name="슬라이드 번호 개체 틀 3"/>
+          <p:cNvSpPr>
+            <a:spLocks noGrp="1"/>
+          </p:cNvSpPr>
+          <p:nvPr>
+            <p:ph type="sldNum" sz="quarter" idx="5"/>
+          </p:nvPr>
+        </p:nvSpPr>
+        <p:spPr/>
+        <p:txBody>
+          <a:bodyPr/>
+          <a:lstStyle/>
+          <a:p>
+            <a:fld id="{5FAAA766-79CA-47E4-9E45-0D897C7C3898}" type="slidenum">
+              <a:rPr lang="ko-KR" altLang="en-US" smtClean="0"/>
+              <a:t>12</a:t>
+            </a:fld>
+            <a:endParaRPr lang="ko-KR" altLang="en-US"/>
+          </a:p>
+        </p:txBody>
+      </p:sp>
+    </p:spTree>
+    <p:extLst>
+      <p:ext uri="{BB962C8B-B14F-4D97-AF65-F5344CB8AC3E}">
+        <p14:creationId xmlns:p14="http://schemas.microsoft.com/office/powerpoint/2010/main" val="583571527"/>
       </p:ext>
     </p:extLst>
   </p:cSld>
@@ -1623,7 +2139,7 @@
           <a:p>
             <a:fld id="{81824485-37D6-4A4E-B3C2-55E690D391A0}" type="datetime1">
               <a:rPr lang="ko-KR" altLang="en-US" smtClean="0"/>
-              <a:t>2021-08-12</a:t>
+              <a:t>2021-08-13</a:t>
             </a:fld>
             <a:endParaRPr lang="ko-KR" altLang="en-US"/>
           </a:p>
@@ -1821,7 +2337,7 @@
           <a:p>
             <a:fld id="{3DF715B5-1D12-4CA6-88BA-3982FCF342B2}" type="datetime1">
               <a:rPr lang="ko-KR" altLang="en-US" smtClean="0"/>
-              <a:t>2021-08-12</a:t>
+              <a:t>2021-08-13</a:t>
             </a:fld>
             <a:endParaRPr lang="ko-KR" altLang="en-US"/>
           </a:p>
@@ -2029,7 +2545,7 @@
           <a:p>
             <a:fld id="{13D876F9-D66F-4450-8B0D-7B53B1CAD061}" type="datetime1">
               <a:rPr lang="ko-KR" altLang="en-US" smtClean="0"/>
-              <a:t>2021-08-12</a:t>
+              <a:t>2021-08-13</a:t>
             </a:fld>
             <a:endParaRPr lang="ko-KR" altLang="en-US"/>
           </a:p>
@@ -2227,7 +2743,7 @@
           <a:p>
             <a:fld id="{4DF80924-3D40-475B-A14E-A89456D8CB0D}" type="datetime1">
               <a:rPr lang="ko-KR" altLang="en-US" smtClean="0"/>
-              <a:t>2021-08-12</a:t>
+              <a:t>2021-08-13</a:t>
             </a:fld>
             <a:endParaRPr lang="ko-KR" altLang="en-US"/>
           </a:p>
@@ -2502,7 +3018,7 @@
           <a:p>
             <a:fld id="{27271DA4-6E68-43A7-BA9A-44AAD2A570A2}" type="datetime1">
               <a:rPr lang="ko-KR" altLang="en-US" smtClean="0"/>
-              <a:t>2021-08-12</a:t>
+              <a:t>2021-08-13</a:t>
             </a:fld>
             <a:endParaRPr lang="ko-KR" altLang="en-US"/>
           </a:p>
@@ -2767,7 +3283,7 @@
           <a:p>
             <a:fld id="{FB8660EF-7488-4688-B47B-499D7661BB9A}" type="datetime1">
               <a:rPr lang="ko-KR" altLang="en-US" smtClean="0"/>
-              <a:t>2021-08-12</a:t>
+              <a:t>2021-08-13</a:t>
             </a:fld>
             <a:endParaRPr lang="ko-KR" altLang="en-US"/>
           </a:p>
@@ -3179,7 +3695,7 @@
           <a:p>
             <a:fld id="{B2A0DCBC-07E3-4F51-A8B0-7DDB83A3B59C}" type="datetime1">
               <a:rPr lang="ko-KR" altLang="en-US" smtClean="0"/>
-              <a:t>2021-08-12</a:t>
+              <a:t>2021-08-13</a:t>
             </a:fld>
             <a:endParaRPr lang="ko-KR" altLang="en-US"/>
           </a:p>
@@ -3320,7 +3836,7 @@
           <a:p>
             <a:fld id="{B8772A87-66B2-4830-AD9F-DE65303EA9D0}" type="datetime1">
               <a:rPr lang="ko-KR" altLang="en-US" smtClean="0"/>
-              <a:t>2021-08-12</a:t>
+              <a:t>2021-08-13</a:t>
             </a:fld>
             <a:endParaRPr lang="ko-KR" altLang="en-US"/>
           </a:p>
@@ -3433,7 +3949,7 @@
           <a:p>
             <a:fld id="{C338DA32-DAFA-4ECD-8F80-B4DE9A5BE697}" type="datetime1">
               <a:rPr lang="ko-KR" altLang="en-US" smtClean="0"/>
-              <a:t>2021-08-12</a:t>
+              <a:t>2021-08-13</a:t>
             </a:fld>
             <a:endParaRPr lang="ko-KR" altLang="en-US"/>
           </a:p>
@@ -3744,7 +4260,7 @@
           <a:p>
             <a:fld id="{650E3E3D-B19B-4A86-A742-753C828A8F1C}" type="datetime1">
               <a:rPr lang="ko-KR" altLang="en-US" smtClean="0"/>
-              <a:t>2021-08-12</a:t>
+              <a:t>2021-08-13</a:t>
             </a:fld>
             <a:endParaRPr lang="ko-KR" altLang="en-US"/>
           </a:p>
@@ -4032,7 +4548,7 @@
           <a:p>
             <a:fld id="{95E62AEA-E495-403A-8773-B058821D500F}" type="datetime1">
               <a:rPr lang="ko-KR" altLang="en-US" smtClean="0"/>
-              <a:t>2021-08-12</a:t>
+              <a:t>2021-08-13</a:t>
             </a:fld>
             <a:endParaRPr lang="ko-KR" altLang="en-US"/>
           </a:p>
@@ -4273,7 +4789,7 @@
           <a:p>
             <a:fld id="{AD2AA275-37EC-4747-8BBB-86137B98CC85}" type="datetime1">
               <a:rPr lang="ko-KR" altLang="en-US" smtClean="0"/>
-              <a:t>2021-08-12</a:t>
+              <a:t>2021-08-13</a:t>
             </a:fld>
             <a:endParaRPr lang="ko-KR" altLang="en-US"/>
           </a:p>
@@ -4855,8 +5371,8 @@
         </p:nvSpPr>
         <p:spPr>
           <a:xfrm>
-            <a:off x="5404207" y="3950414"/>
-            <a:ext cx="4068567" cy="369332"/>
+            <a:off x="5404208" y="3950414"/>
+            <a:ext cx="890632" cy="369332"/>
           </a:xfrm>
           <a:prstGeom prst="rect">
             <a:avLst/>
@@ -4873,6 +5389,54 @@
               <a:rPr lang="ko-KR" altLang="en-US" dirty="0"/>
               <a:t>김예진</a:t>
             </a:r>
+          </a:p>
+        </p:txBody>
+      </p:sp>
+      <p:sp>
+        <p:nvSpPr>
+          <p:cNvPr id="4" name="TextBox 3">
+            <a:extLst>
+              <a:ext uri="{FF2B5EF4-FFF2-40B4-BE49-F238E27FC236}">
+                <a16:creationId xmlns:a16="http://schemas.microsoft.com/office/drawing/2014/main" id="{51F171BC-D2E5-45B1-A775-1A3BC207313B}"/>
+              </a:ext>
+            </a:extLst>
+          </p:cNvPr>
+          <p:cNvSpPr txBox="1"/>
+          <p:nvPr/>
+        </p:nvSpPr>
+        <p:spPr>
+          <a:xfrm>
+            <a:off x="215846" y="6356350"/>
+            <a:ext cx="1350016" cy="369332"/>
+          </a:xfrm>
+          <a:prstGeom prst="rect">
+            <a:avLst/>
+          </a:prstGeom>
+          <a:noFill/>
+        </p:spPr>
+        <p:txBody>
+          <a:bodyPr wrap="square" rtlCol="0">
+            <a:spAutoFit/>
+          </a:bodyPr>
+          <a:lstStyle/>
+          <a:p>
+            <a:r>
+              <a:rPr lang="en-US" altLang="ko-KR" dirty="0">
+                <a:solidFill>
+                  <a:schemeClr val="bg1">
+                    <a:lumMod val="50000"/>
+                  </a:schemeClr>
+                </a:solidFill>
+              </a:rPr>
+              <a:t>2021.8.13</a:t>
+            </a:r>
+            <a:endParaRPr lang="ko-KR" altLang="en-US" dirty="0">
+              <a:solidFill>
+                <a:schemeClr val="bg1">
+                  <a:lumMod val="50000"/>
+                </a:schemeClr>
+              </a:solidFill>
+            </a:endParaRPr>
           </a:p>
         </p:txBody>
       </p:sp>
@@ -6330,65 +6894,6 @@
       </p:grpSpPr>
       <p:sp>
         <p:nvSpPr>
-          <p:cNvPr id="4" name="슬라이드 번호 개체 틀 3">
-            <a:extLst>
-              <a:ext uri="{FF2B5EF4-FFF2-40B4-BE49-F238E27FC236}">
-                <a16:creationId xmlns:a16="http://schemas.microsoft.com/office/drawing/2014/main" id="{784C53A5-3AFC-49B5-81B4-C00B7E00352F}"/>
-              </a:ext>
-            </a:extLst>
-          </p:cNvPr>
-          <p:cNvSpPr>
-            <a:spLocks noGrp="1"/>
-          </p:cNvSpPr>
-          <p:nvPr>
-            <p:ph type="sldNum" sz="quarter" idx="12"/>
-          </p:nvPr>
-        </p:nvSpPr>
-        <p:spPr/>
-        <p:txBody>
-          <a:bodyPr/>
-          <a:lstStyle/>
-          <a:p>
-            <a:fld id="{C3EC3709-AF19-4BC3-8020-8E9C5E0E1F7D}" type="slidenum">
-              <a:rPr lang="ko-KR" altLang="en-US" smtClean="0"/>
-              <a:t>12</a:t>
-            </a:fld>
-            <a:endParaRPr lang="ko-KR" altLang="en-US"/>
-          </a:p>
-        </p:txBody>
-      </p:sp>
-    </p:spTree>
-    <p:extLst>
-      <p:ext uri="{BB962C8B-B14F-4D97-AF65-F5344CB8AC3E}">
-        <p14:creationId xmlns:p14="http://schemas.microsoft.com/office/powerpoint/2010/main" val="192011962"/>
-      </p:ext>
-    </p:extLst>
-  </p:cSld>
-  <p:clrMapOvr>
-    <a:masterClrMapping/>
-  </p:clrMapOvr>
-</p:sld>
-</file>
-
-<file path=ppt/slides/slide13.xml><?xml version="1.0" encoding="utf-8"?>
-<p:sld xmlns:a="http://schemas.openxmlformats.org/drawingml/2006/main" xmlns:r="http://schemas.openxmlformats.org/officeDocument/2006/relationships" xmlns:p="http://schemas.openxmlformats.org/presentationml/2006/main">
-  <p:cSld>
-    <p:spTree>
-      <p:nvGrpSpPr>
-        <p:cNvPr id="1" name=""/>
-        <p:cNvGrpSpPr/>
-        <p:nvPr/>
-      </p:nvGrpSpPr>
-      <p:grpSpPr>
-        <a:xfrm>
-          <a:off x="0" y="0"/>
-          <a:ext cx="0" cy="0"/>
-          <a:chOff x="0" y="0"/>
-          <a:chExt cx="0" cy="0"/>
-        </a:xfrm>
-      </p:grpSpPr>
-      <p:sp>
-        <p:nvSpPr>
           <p:cNvPr id="8" name="직사각형 7">
             <a:extLst>
               <a:ext uri="{FF2B5EF4-FFF2-40B4-BE49-F238E27FC236}">
@@ -6476,12 +6981,8 @@
           <a:lstStyle/>
           <a:p>
             <a:r>
-              <a:rPr lang="ko-KR" altLang="en-US" sz="2400" dirty="0"/>
-              <a:t>코드 분석 </a:t>
-            </a:r>
-            <a:r>
               <a:rPr lang="en-US" altLang="ko-KR" sz="2400" dirty="0"/>
-              <a:t>- validation</a:t>
+              <a:t>Metrics - BLEU </a:t>
             </a:r>
             <a:endParaRPr lang="ko-KR" altLang="en-US" sz="2400" dirty="0"/>
           </a:p>
@@ -6489,311 +6990,20 @@
       </p:sp>
       <p:sp>
         <p:nvSpPr>
-          <p:cNvPr id="2" name="직사각형 1">
-            <a:extLst>
-              <a:ext uri="{FF2B5EF4-FFF2-40B4-BE49-F238E27FC236}">
-                <a16:creationId xmlns:a16="http://schemas.microsoft.com/office/drawing/2014/main" id="{33C2ECB1-E38C-40FC-8BAD-C616C39449CA}"/>
-              </a:ext>
-            </a:extLst>
-          </p:cNvPr>
-          <p:cNvSpPr/>
+          <p:cNvPr id="12" name="TextBox 11">
+            <a:extLst>
+              <a:ext uri="{FF2B5EF4-FFF2-40B4-BE49-F238E27FC236}">
+                <a16:creationId xmlns:a16="http://schemas.microsoft.com/office/drawing/2014/main" id="{E0538A3C-F69A-4B80-88BE-35356B73D274}"/>
+              </a:ext>
+            </a:extLst>
+          </p:cNvPr>
+          <p:cNvSpPr txBox="1"/>
           <p:nvPr/>
         </p:nvSpPr>
         <p:spPr>
           <a:xfrm>
-            <a:off x="360846" y="643696"/>
-            <a:ext cx="7202699" cy="5493812"/>
-          </a:xfrm>
-          <a:prstGeom prst="rect">
-            <a:avLst/>
-          </a:prstGeom>
-        </p:spPr>
-        <p:txBody>
-          <a:bodyPr wrap="square">
-            <a:spAutoFit/>
-          </a:bodyPr>
-          <a:lstStyle/>
-          <a:p>
-            <a:r>
-              <a:rPr lang="ko-KR" altLang="en-US" sz="900" dirty="0" err="1"/>
-              <a:t>j</a:t>
-            </a:r>
-            <a:r>
-              <a:rPr lang="ko-KR" altLang="en-US" sz="900" dirty="0"/>
-              <a:t> </a:t>
-            </a:r>
-            <a:r>
-              <a:rPr lang="ko-KR" altLang="en-US" sz="900" dirty="0" err="1"/>
-              <a:t>is</a:t>
-            </a:r>
-            <a:r>
-              <a:rPr lang="ko-KR" altLang="en-US" sz="900" dirty="0"/>
-              <a:t> 32 </a:t>
-            </a:r>
-            <a:r>
-              <a:rPr lang="ko-KR" altLang="en-US" sz="900" dirty="0" err="1"/>
-              <a:t>p</a:t>
-            </a:r>
-            <a:r>
-              <a:rPr lang="ko-KR" altLang="en-US" sz="900" dirty="0"/>
-              <a:t> </a:t>
-            </a:r>
-            <a:r>
-              <a:rPr lang="ko-KR" altLang="en-US" sz="900" dirty="0" err="1"/>
-              <a:t>is</a:t>
-            </a:r>
-            <a:r>
-              <a:rPr lang="ko-KR" altLang="en-US" sz="900" dirty="0"/>
-              <a:t> [[146, 33, 251, 2860, 4, 3848, 47, 1666, 1663, 3],</a:t>
-            </a:r>
-            <a:endParaRPr lang="en-US" altLang="ko-KR" sz="900" dirty="0"/>
-          </a:p>
-          <a:p>
-            <a:r>
-              <a:rPr lang="ko-KR" altLang="en-US" sz="900" dirty="0"/>
-              <a:t> [131, 53, 409, 106, 31, 40, 7, 65, 1412, 111], </a:t>
-            </a:r>
-            <a:endParaRPr lang="en-US" altLang="ko-KR" sz="900" dirty="0"/>
-          </a:p>
-          <a:p>
-            <a:r>
-              <a:rPr lang="ko-KR" altLang="en-US" sz="900" dirty="0"/>
-              <a:t>[4, 48, 33, 30, 31, 212, 111, 146, 373, 106], </a:t>
-            </a:r>
-            <a:endParaRPr lang="en-US" altLang="ko-KR" sz="900" dirty="0"/>
-          </a:p>
-          <a:p>
-            <a:r>
-              <a:rPr lang="ko-KR" altLang="en-US" sz="900" dirty="0"/>
-              <a:t>[30, 31, 34, 210, 3016, 115, 793, 36, 1256, 857], </a:t>
-            </a:r>
-            <a:endParaRPr lang="en-US" altLang="ko-KR" sz="900" dirty="0"/>
-          </a:p>
-          <a:p>
-            <a:r>
-              <a:rPr lang="ko-KR" altLang="en-US" sz="900" dirty="0"/>
-              <a:t>[31, 115, 30, 7, 857, 1003, 87, 34, 2876, 936], </a:t>
-            </a:r>
-            <a:endParaRPr lang="en-US" altLang="ko-KR" sz="900" dirty="0"/>
-          </a:p>
-          <a:p>
-            <a:r>
-              <a:rPr lang="ko-KR" altLang="en-US" sz="900" dirty="0"/>
-              <a:t>[7, 87, 65, 31, 938, 19, 785, 115, 30, 40], </a:t>
-            </a:r>
-            <a:endParaRPr lang="en-US" altLang="ko-KR" sz="900" dirty="0"/>
-          </a:p>
-          <a:p>
-            <a:r>
-              <a:rPr lang="ko-KR" altLang="en-US" sz="900" dirty="0"/>
-              <a:t>[30, 7, 34, 31, 3384, 65, 115, 131, 3, 3016], </a:t>
-            </a:r>
-            <a:endParaRPr lang="en-US" altLang="ko-KR" sz="900" dirty="0"/>
-          </a:p>
-          <a:p>
-            <a:r>
-              <a:rPr lang="ko-KR" altLang="en-US" sz="900" dirty="0"/>
-              <a:t>[30, 34, 31, 115, 65, 36, 61, 373, 770, 229], </a:t>
-            </a:r>
-            <a:endParaRPr lang="en-US" altLang="ko-KR" sz="900" dirty="0"/>
-          </a:p>
-          <a:p>
-            <a:r>
-              <a:rPr lang="ko-KR" altLang="en-US" sz="900" dirty="0"/>
-              <a:t>[65, 31, 862, 192, 30, 409, 857, 120, 1038, 115], </a:t>
-            </a:r>
-            <a:endParaRPr lang="en-US" altLang="ko-KR" sz="900" dirty="0"/>
-          </a:p>
-          <a:p>
-            <a:r>
-              <a:rPr lang="ko-KR" altLang="en-US" sz="900" dirty="0"/>
-              <a:t>[65, 1038, 862, 507, 131, 40, 2358, 1665, 112, 409], </a:t>
-            </a:r>
-            <a:endParaRPr lang="en-US" altLang="ko-KR" sz="900" dirty="0"/>
-          </a:p>
-          <a:p>
-            <a:r>
-              <a:rPr lang="ko-KR" altLang="en-US" sz="900" dirty="0"/>
-              <a:t>[131, 65, 715, 106, 409, 1412, 3384, 53, 327, 1038], </a:t>
-            </a:r>
-            <a:endParaRPr lang="en-US" altLang="ko-KR" sz="900" dirty="0"/>
-          </a:p>
-          <a:p>
-            <a:r>
-              <a:rPr lang="ko-KR" altLang="en-US" sz="900" dirty="0"/>
-              <a:t>[40, 78, 146, 131, 365, 65, 112, 53, 16, 1412], </a:t>
-            </a:r>
-            <a:endParaRPr lang="en-US" altLang="ko-KR" sz="900" dirty="0"/>
-          </a:p>
-          <a:p>
-            <a:r>
-              <a:rPr lang="ko-KR" altLang="en-US" sz="900" dirty="0"/>
-              <a:t>[146, 33, 4, 111, 48, 47, 36, 648, 40, 242], </a:t>
-            </a:r>
-            <a:endParaRPr lang="en-US" altLang="ko-KR" sz="900" dirty="0"/>
-          </a:p>
-          <a:p>
-            <a:r>
-              <a:rPr lang="ko-KR" altLang="en-US" sz="900" dirty="0"/>
-              <a:t>[34, 229, 4715, 6639, 7, 3828, 1123, 1296, 2715, 3945]]</a:t>
-            </a:r>
-          </a:p>
-          <a:p>
-            <a:endParaRPr lang="nl-NL" altLang="ko-KR" sz="900" dirty="0"/>
-          </a:p>
-          <a:p>
-            <a:r>
-              <a:rPr lang="nl-NL" altLang="ko-KR" sz="900" dirty="0"/>
-              <a:t> j is 29 p is </a:t>
-            </a:r>
-          </a:p>
-          <a:p>
-            <a:r>
-              <a:rPr lang="nl-NL" altLang="ko-KR" sz="900" dirty="0"/>
-              <a:t>[[251, 33, 252, 146, 52, 4, 3848, 194, 2860, 51],</a:t>
-            </a:r>
-          </a:p>
-          <a:p>
-            <a:r>
-              <a:rPr lang="nl-NL" altLang="ko-KR" sz="900" dirty="0"/>
-              <a:t> [53, 131, 52, 106, 282, 970, 1412, 94, 1256, 280],</a:t>
-            </a:r>
-          </a:p>
-          <a:p>
-            <a:r>
-              <a:rPr lang="nl-NL" altLang="ko-KR" sz="900" dirty="0"/>
-              <a:t> [52, 54, 280, 1352, 1633, 94, 1383, 4, 292, 1042], </a:t>
-            </a:r>
-          </a:p>
-          <a:p>
-            <a:r>
-              <a:rPr lang="nl-NL" altLang="ko-KR" sz="900" dirty="0"/>
-              <a:t>[54, 40, 78, 52, 94, 7, 53, 171, 140, 105],</a:t>
-            </a:r>
-          </a:p>
-          <a:p>
-            <a:r>
-              <a:rPr lang="nl-NL" altLang="ko-KR" sz="900" dirty="0"/>
-              <a:t> [78, 40, 54, 55, 185, 112, 193, 94, 33, 418], </a:t>
-            </a:r>
-          </a:p>
-          <a:p>
-            <a:r>
-              <a:rPr lang="nl-NL" altLang="ko-KR" sz="900" dirty="0"/>
-              <a:t>[33, 4, 78, 146, 34, 40, 103, 48, 161, 47],</a:t>
-            </a:r>
-          </a:p>
-          <a:p>
-            <a:r>
-              <a:rPr lang="nl-NL" altLang="ko-KR" sz="900" dirty="0"/>
-              <a:t> [34, 41, 2715, 230, 229, 186, 210, 705, 768, 827],</a:t>
-            </a:r>
-          </a:p>
-          <a:p>
-            <a:r>
-              <a:rPr lang="nl-NL" altLang="ko-KR" sz="900" dirty="0"/>
-              <a:t> [2, 19, 40, 3, 78, 7, 34, 112, 805, 14],</a:t>
-            </a:r>
-          </a:p>
-          <a:p>
-            <a:r>
-              <a:rPr lang="nl-NL" altLang="ko-KR" sz="900" dirty="0"/>
-              <a:t> [7, 6, 4, 5, 1, 0, 2, 3, 8, 9]]</a:t>
-            </a:r>
-          </a:p>
-          <a:p>
-            <a:endParaRPr lang="nl-NL" altLang="ko-KR" sz="900" dirty="0"/>
-          </a:p>
-          <a:p>
-            <a:r>
-              <a:rPr lang="nl-NL" altLang="ko-KR" sz="900" dirty="0"/>
-              <a:t>j is 28 p is </a:t>
-            </a:r>
-          </a:p>
-          <a:p>
-            <a:r>
-              <a:rPr lang="nl-NL" altLang="ko-KR" sz="900" dirty="0"/>
-              <a:t>[[4, 146, 33, 252, 251, 48, 3, 3848, 2479, 111],</a:t>
-            </a:r>
-          </a:p>
-          <a:p>
-            <a:r>
-              <a:rPr lang="nl-NL" altLang="ko-KR" sz="900" dirty="0"/>
-              <a:t> [4244, 21, 2716, 1846, 1393, 3575, 61, 2723, 110, 195], </a:t>
-            </a:r>
-          </a:p>
-          <a:p>
-            <a:r>
-              <a:rPr lang="nl-NL" altLang="ko-KR" sz="900" dirty="0"/>
-              <a:t>[131, 629, 4244, 352, 327, 322, 4490, 757, 4796, 1529], </a:t>
-            </a:r>
-          </a:p>
-          <a:p>
-            <a:r>
-              <a:rPr lang="nl-NL" altLang="ko-KR" sz="900" dirty="0"/>
-              <a:t>[131, 2530, 322, 629, 327, 4244, 611, 4490, 352, 40], </a:t>
-            </a:r>
-          </a:p>
-          <a:p>
-            <a:r>
-              <a:rPr lang="nl-NL" altLang="ko-KR" sz="900" dirty="0"/>
-              <a:t>[40, 249, 322, 611, 277, 627, 295, 288, 2530, 59],</a:t>
-            </a:r>
-          </a:p>
-          <a:p>
-            <a:r>
-              <a:rPr lang="nl-NL" altLang="ko-KR" sz="900" dirty="0"/>
-              <a:t> [40, 249, 288, 78, 461, 4, 35, 627, 399, 59], </a:t>
-            </a:r>
-          </a:p>
-          <a:p>
-            <a:r>
-              <a:rPr lang="nl-NL" altLang="ko-KR" sz="900" dirty="0"/>
-              <a:t>[4, 33, 40, 48, 258, 702, 2135, 2430, 288, 146], </a:t>
-            </a:r>
-          </a:p>
-          <a:p>
-            <a:r>
-              <a:rPr lang="nl-NL" altLang="ko-KR" sz="900" dirty="0"/>
-              <a:t>[113, 64, 1453, 1402, 199, 820, 133, 29, 1040, 63], </a:t>
-            </a:r>
-          </a:p>
-          <a:p>
-            <a:r>
-              <a:rPr lang="nl-NL" altLang="ko-KR" sz="900" dirty="0"/>
-              <a:t>[2, 113, 762, 490, 258, 19, 1402, 59, 847, 3], </a:t>
-            </a:r>
-          </a:p>
-          <a:p>
-            <a:r>
-              <a:rPr lang="nl-NL" altLang="ko-KR" sz="900" dirty="0"/>
-              <a:t>[7, 6, 4, 5, 1, 0, 2, 3, 8, 9]]</a:t>
-            </a:r>
-          </a:p>
-          <a:p>
-            <a:endParaRPr lang="ko-KR" altLang="en-US" sz="900" dirty="0"/>
-          </a:p>
-          <a:p>
-            <a:endParaRPr lang="ko-KR" altLang="en-US" sz="900" dirty="0"/>
-          </a:p>
-        </p:txBody>
-      </p:sp>
-      <p:sp>
-        <p:nvSpPr>
-          <p:cNvPr id="3" name="TextBox 2">
-            <a:extLst>
-              <a:ext uri="{FF2B5EF4-FFF2-40B4-BE49-F238E27FC236}">
-                <a16:creationId xmlns:a16="http://schemas.microsoft.com/office/drawing/2014/main" id="{45952A6B-913C-4DBB-A041-C2822CD4968A}"/>
-              </a:ext>
-            </a:extLst>
-          </p:cNvPr>
-          <p:cNvSpPr txBox="1"/>
-          <p:nvPr/>
-        </p:nvSpPr>
-        <p:spPr>
-          <a:xfrm>
-            <a:off x="360846" y="5847605"/>
-            <a:ext cx="5203838" cy="646331"/>
+            <a:off x="397055" y="1243371"/>
+            <a:ext cx="10157000" cy="369332"/>
           </a:xfrm>
           <a:prstGeom prst="rect">
             <a:avLst/>
@@ -6801,197 +7011,63 @@
           <a:noFill/>
         </p:spPr>
         <p:txBody>
-          <a:bodyPr wrap="square" rtlCol="0">
+          <a:bodyPr wrap="square">
             <a:spAutoFit/>
           </a:bodyPr>
           <a:lstStyle/>
           <a:p>
-            <a:r>
-              <a:rPr lang="en-US" altLang="ko-KR" dirty="0"/>
-              <a:t>J</a:t>
-            </a:r>
-            <a:r>
-              <a:rPr lang="ko-KR" altLang="en-US" dirty="0"/>
-              <a:t>번 째 </a:t>
-            </a:r>
-            <a:r>
-              <a:rPr lang="en-US" altLang="ko-KR" dirty="0" err="1"/>
-              <a:t>captio</a:t>
-            </a:r>
-            <a:r>
-              <a:rPr lang="ko-KR" altLang="en-US" dirty="0"/>
-              <a:t>에서 나온 각 </a:t>
-            </a:r>
-            <a:r>
-              <a:rPr lang="en-US" altLang="ko-KR" dirty="0"/>
-              <a:t>t</a:t>
-            </a:r>
-            <a:r>
-              <a:rPr lang="ko-KR" altLang="en-US" dirty="0"/>
-              <a:t>시점에서 나온  </a:t>
-            </a:r>
-            <a:endParaRPr lang="en-US" altLang="ko-KR" dirty="0"/>
-          </a:p>
-          <a:p>
-            <a:r>
-              <a:rPr lang="en-US" altLang="ko-KR" dirty="0"/>
-              <a:t>Vocab</a:t>
-            </a:r>
-            <a:r>
-              <a:rPr lang="ko-KR" altLang="en-US" dirty="0"/>
+            <a:pPr marL="285750" indent="-285750">
+              <a:buFont typeface="Arial" panose="020B0604020202020204" pitchFamily="34" charset="0"/>
+              <a:buChar char="•"/>
+            </a:pPr>
+            <a:r>
+              <a:rPr lang="ko-KR" altLang="en-US" i="0" dirty="0">
+                <a:solidFill>
+                  <a:srgbClr val="000000"/>
+                </a:solidFill>
+                <a:effectLst/>
+                <a:latin typeface="Malgun Gothic" panose="020B0503020000020004" pitchFamily="50" charset="-127"/>
+                <a:ea typeface="Malgun Gothic" panose="020B0503020000020004" pitchFamily="50" charset="-127"/>
+              </a:rPr>
+              <a:t> 각 문장의 </a:t>
+            </a:r>
+            <a:r>
+              <a:rPr lang="en-US" altLang="ko-KR" dirty="0">
+                <a:solidFill>
+                  <a:srgbClr val="000000"/>
+                </a:solidFill>
+                <a:latin typeface="Malgun Gothic" panose="020B0503020000020004" pitchFamily="50" charset="-127"/>
+                <a:ea typeface="Malgun Gothic" panose="020B0503020000020004" pitchFamily="50" charset="-127"/>
+              </a:rPr>
+              <a:t>BLEU</a:t>
+            </a:r>
+            <a:r>
+              <a:rPr lang="ko-KR" altLang="en-US" dirty="0">
+                <a:solidFill>
+                  <a:srgbClr val="000000"/>
+                </a:solidFill>
+                <a:latin typeface="Malgun Gothic" panose="020B0503020000020004" pitchFamily="50" charset="-127"/>
+                <a:ea typeface="Malgun Gothic" panose="020B0503020000020004" pitchFamily="50" charset="-127"/>
+              </a:rPr>
               <a:t> </a:t>
             </a:r>
-            <a:r>
-              <a:rPr lang="en-US" altLang="ko-KR" dirty="0"/>
-              <a:t>size </a:t>
-            </a:r>
-            <a:r>
-              <a:rPr lang="ko-KR" altLang="en-US" dirty="0"/>
-              <a:t>크기의 </a:t>
-            </a:r>
-            <a:r>
-              <a:rPr lang="en-US" altLang="ko-KR" dirty="0"/>
-              <a:t>prediction score</a:t>
-            </a:r>
-            <a:r>
-              <a:rPr lang="ko-KR" altLang="en-US" dirty="0"/>
-              <a:t>  </a:t>
-            </a:r>
-            <a:r>
-              <a:rPr lang="en-US" altLang="ko-KR" dirty="0"/>
-              <a:t>top10 </a:t>
-            </a:r>
-            <a:r>
-              <a:rPr lang="ko-KR" altLang="en-US" dirty="0"/>
-              <a:t>추출 </a:t>
-            </a:r>
-            <a:r>
-              <a:rPr lang="en-US" altLang="ko-KR" dirty="0"/>
-              <a:t>? </a:t>
-            </a:r>
-            <a:endParaRPr lang="ko-KR" altLang="en-US" dirty="0"/>
+            <a:endParaRPr lang="ko-KR" altLang="en-US" i="0" dirty="0">
+              <a:solidFill>
+                <a:srgbClr val="000000"/>
+              </a:solidFill>
+              <a:effectLst/>
+              <a:latin typeface="Malgun Gothic" panose="020B0503020000020004" pitchFamily="50" charset="-127"/>
+              <a:ea typeface="Malgun Gothic" panose="020B0503020000020004" pitchFamily="50" charset="-127"/>
+            </a:endParaRPr>
           </a:p>
         </p:txBody>
       </p:sp>
       <p:pic>
         <p:nvPicPr>
-          <p:cNvPr id="7" name="그림 6">
-            <a:extLst>
-              <a:ext uri="{FF2B5EF4-FFF2-40B4-BE49-F238E27FC236}">
-                <a16:creationId xmlns:a16="http://schemas.microsoft.com/office/drawing/2014/main" id="{EBF3C364-CBDC-4DF7-A7D5-9AB33059E550}"/>
-              </a:ext>
-            </a:extLst>
-          </p:cNvPr>
-          <p:cNvPicPr>
-            <a:picLocks noChangeAspect="1"/>
-          </p:cNvPicPr>
-          <p:nvPr/>
-        </p:nvPicPr>
-        <p:blipFill>
-          <a:blip r:embed="rId2"/>
-          <a:stretch>
-            <a:fillRect/>
-          </a:stretch>
-        </p:blipFill>
-        <p:spPr>
-          <a:xfrm>
-            <a:off x="3803880" y="1233111"/>
-            <a:ext cx="5156097" cy="2410577"/>
-          </a:xfrm>
-          <a:prstGeom prst="rect">
-            <a:avLst/>
-          </a:prstGeom>
-        </p:spPr>
-      </p:pic>
-      <p:cxnSp>
-        <p:nvCxnSpPr>
-          <p:cNvPr id="11" name="직선 연결선 10">
-            <a:extLst>
-              <a:ext uri="{FF2B5EF4-FFF2-40B4-BE49-F238E27FC236}">
-                <a16:creationId xmlns:a16="http://schemas.microsoft.com/office/drawing/2014/main" id="{02B337C5-1DB1-4D25-9CA9-9DB47E790870}"/>
-              </a:ext>
-            </a:extLst>
-          </p:cNvPr>
-          <p:cNvCxnSpPr/>
-          <p:nvPr/>
-        </p:nvCxnSpPr>
-        <p:spPr>
-          <a:xfrm flipV="1">
-            <a:off x="3826118" y="1386644"/>
-            <a:ext cx="4435643" cy="36095"/>
-          </a:xfrm>
-          <a:prstGeom prst="line">
-            <a:avLst/>
-          </a:prstGeom>
-          <a:ln w="28575">
-            <a:solidFill>
-              <a:schemeClr val="accent2"/>
-            </a:solidFill>
-          </a:ln>
-        </p:spPr>
-        <p:style>
-          <a:lnRef idx="1">
-            <a:schemeClr val="accent1"/>
-          </a:lnRef>
-          <a:fillRef idx="0">
-            <a:schemeClr val="accent1"/>
-          </a:fillRef>
-          <a:effectRef idx="0">
-            <a:schemeClr val="accent1"/>
-          </a:effectRef>
-          <a:fontRef idx="minor">
-            <a:schemeClr val="tx1"/>
-          </a:fontRef>
-        </p:style>
-      </p:cxnSp>
-      <p:sp>
-        <p:nvSpPr>
-          <p:cNvPr id="12" name="직사각형 11">
-            <a:extLst>
-              <a:ext uri="{FF2B5EF4-FFF2-40B4-BE49-F238E27FC236}">
-                <a16:creationId xmlns:a16="http://schemas.microsoft.com/office/drawing/2014/main" id="{8250D91B-BFA2-44D3-9B8A-E66EC452BB47}"/>
-              </a:ext>
-            </a:extLst>
-          </p:cNvPr>
-          <p:cNvSpPr/>
-          <p:nvPr/>
-        </p:nvSpPr>
-        <p:spPr>
-          <a:xfrm>
-            <a:off x="7050750" y="5363544"/>
-            <a:ext cx="3608295" cy="369332"/>
-          </a:xfrm>
-          <a:prstGeom prst="rect">
-            <a:avLst/>
-          </a:prstGeom>
-        </p:spPr>
-        <p:txBody>
-          <a:bodyPr wrap="none">
-            <a:spAutoFit/>
-          </a:bodyPr>
-          <a:lstStyle/>
-          <a:p>
-            <a:r>
-              <a:rPr lang="ko-KR" altLang="en-US" dirty="0"/>
-              <a:t>(32, 17) </a:t>
-            </a:r>
-            <a:r>
-              <a:rPr lang="ko-KR" altLang="en-US" dirty="0" err="1"/>
-              <a:t>torch.Size</a:t>
-            </a:r>
-            <a:r>
-              <a:rPr lang="ko-KR" altLang="en-US" dirty="0"/>
-              <a:t>([32, 17, 8853])</a:t>
-            </a:r>
-          </a:p>
-        </p:txBody>
-      </p:sp>
-      <p:pic>
-        <p:nvPicPr>
-          <p:cNvPr id="13" name="그림 12">
-            <a:extLst>
-              <a:ext uri="{FF2B5EF4-FFF2-40B4-BE49-F238E27FC236}">
-                <a16:creationId xmlns:a16="http://schemas.microsoft.com/office/drawing/2014/main" id="{EE4A0DEC-3E35-4E88-A970-7B35C63FB27A}"/>
+          <p:cNvPr id="14" name="그림 13">
+            <a:extLst>
+              <a:ext uri="{FF2B5EF4-FFF2-40B4-BE49-F238E27FC236}">
+                <a16:creationId xmlns:a16="http://schemas.microsoft.com/office/drawing/2014/main" id="{F07DE873-F9CA-42E4-82D2-F270F5110597}"/>
               </a:ext>
             </a:extLst>
           </p:cNvPr>
@@ -7008,56 +7084,20 @@
         </p:blipFill>
         <p:spPr>
           <a:xfrm>
-            <a:off x="6262831" y="5906538"/>
-            <a:ext cx="5793121" cy="494857"/>
+            <a:off x="507429" y="3323039"/>
+            <a:ext cx="5180299" cy="3128385"/>
           </a:xfrm>
           <a:prstGeom prst="rect">
             <a:avLst/>
           </a:prstGeom>
         </p:spPr>
       </p:pic>
-      <p:cxnSp>
-        <p:nvCxnSpPr>
-          <p:cNvPr id="15" name="직선 연결선 14">
-            <a:extLst>
-              <a:ext uri="{FF2B5EF4-FFF2-40B4-BE49-F238E27FC236}">
-                <a16:creationId xmlns:a16="http://schemas.microsoft.com/office/drawing/2014/main" id="{0B25B23A-3E8C-4B4F-8036-163D0C245BAD}"/>
-              </a:ext>
-            </a:extLst>
-          </p:cNvPr>
-          <p:cNvCxnSpPr/>
-          <p:nvPr/>
-        </p:nvCxnSpPr>
-        <p:spPr>
-          <a:xfrm flipH="1">
-            <a:off x="5663001" y="1189112"/>
-            <a:ext cx="4324759" cy="5355777"/>
-          </a:xfrm>
-          <a:prstGeom prst="line">
-            <a:avLst/>
-          </a:prstGeom>
-        </p:spPr>
-        <p:style>
-          <a:lnRef idx="1">
-            <a:schemeClr val="accent1"/>
-          </a:lnRef>
-          <a:fillRef idx="0">
-            <a:schemeClr val="accent1"/>
-          </a:fillRef>
-          <a:effectRef idx="0">
-            <a:schemeClr val="accent1"/>
-          </a:effectRef>
-          <a:fontRef idx="minor">
-            <a:schemeClr val="tx1"/>
-          </a:fontRef>
-        </p:style>
-      </p:cxnSp>
       <p:pic>
         <p:nvPicPr>
-          <p:cNvPr id="5" name="그림 4">
-            <a:extLst>
-              <a:ext uri="{FF2B5EF4-FFF2-40B4-BE49-F238E27FC236}">
-                <a16:creationId xmlns:a16="http://schemas.microsoft.com/office/drawing/2014/main" id="{4A85C513-ECA2-4D61-A273-5F108FBAF6F2}"/>
+          <p:cNvPr id="2" name="그림 1">
+            <a:extLst>
+              <a:ext uri="{FF2B5EF4-FFF2-40B4-BE49-F238E27FC236}">
+                <a16:creationId xmlns:a16="http://schemas.microsoft.com/office/drawing/2014/main" id="{10C7DB2F-D58A-435C-8FA9-0D86AD446086}"/>
               </a:ext>
             </a:extLst>
           </p:cNvPr>
@@ -7074,8 +7114,38 @@
         </p:blipFill>
         <p:spPr>
           <a:xfrm>
-            <a:off x="3526500" y="2749471"/>
-            <a:ext cx="7048500" cy="2095500"/>
+            <a:off x="6122420" y="3998764"/>
+            <a:ext cx="4487234" cy="2512851"/>
+          </a:xfrm>
+          <a:prstGeom prst="rect">
+            <a:avLst/>
+          </a:prstGeom>
+        </p:spPr>
+      </p:pic>
+      <p:pic>
+        <p:nvPicPr>
+          <p:cNvPr id="3" name="그림 2">
+            <a:extLst>
+              <a:ext uri="{FF2B5EF4-FFF2-40B4-BE49-F238E27FC236}">
+                <a16:creationId xmlns:a16="http://schemas.microsoft.com/office/drawing/2014/main" id="{5B5AE03B-0E26-4780-8DC5-E377F47EFFFE}"/>
+              </a:ext>
+            </a:extLst>
+          </p:cNvPr>
+          <p:cNvPicPr>
+            <a:picLocks noChangeAspect="1"/>
+          </p:cNvPicPr>
+          <p:nvPr/>
+        </p:nvPicPr>
+        <p:blipFill>
+          <a:blip r:embed="rId5"/>
+          <a:stretch>
+            <a:fillRect/>
+          </a:stretch>
+        </p:blipFill>
+        <p:spPr>
+          <a:xfrm>
+            <a:off x="507429" y="1647393"/>
+            <a:ext cx="10382957" cy="1211844"/>
           </a:xfrm>
           <a:prstGeom prst="rect">
             <a:avLst/>
@@ -7085,7 +7155,66 @@
     </p:spTree>
     <p:extLst>
       <p:ext uri="{BB962C8B-B14F-4D97-AF65-F5344CB8AC3E}">
-        <p14:creationId xmlns:p14="http://schemas.microsoft.com/office/powerpoint/2010/main" val="3453123681"/>
+        <p14:creationId xmlns:p14="http://schemas.microsoft.com/office/powerpoint/2010/main" val="3349212894"/>
+      </p:ext>
+    </p:extLst>
+  </p:cSld>
+  <p:clrMapOvr>
+    <a:masterClrMapping/>
+  </p:clrMapOvr>
+</p:sld>
+</file>
+
+<file path=ppt/slides/slide13.xml><?xml version="1.0" encoding="utf-8"?>
+<p:sld xmlns:a="http://schemas.openxmlformats.org/drawingml/2006/main" xmlns:r="http://schemas.openxmlformats.org/officeDocument/2006/relationships" xmlns:p="http://schemas.openxmlformats.org/presentationml/2006/main">
+  <p:cSld>
+    <p:spTree>
+      <p:nvGrpSpPr>
+        <p:cNvPr id="1" name=""/>
+        <p:cNvGrpSpPr/>
+        <p:nvPr/>
+      </p:nvGrpSpPr>
+      <p:grpSpPr>
+        <a:xfrm>
+          <a:off x="0" y="0"/>
+          <a:ext cx="0" cy="0"/>
+          <a:chOff x="0" y="0"/>
+          <a:chExt cx="0" cy="0"/>
+        </a:xfrm>
+      </p:grpSpPr>
+      <p:sp>
+        <p:nvSpPr>
+          <p:cNvPr id="4" name="슬라이드 번호 개체 틀 3">
+            <a:extLst>
+              <a:ext uri="{FF2B5EF4-FFF2-40B4-BE49-F238E27FC236}">
+                <a16:creationId xmlns:a16="http://schemas.microsoft.com/office/drawing/2014/main" id="{784C53A5-3AFC-49B5-81B4-C00B7E00352F}"/>
+              </a:ext>
+            </a:extLst>
+          </p:cNvPr>
+          <p:cNvSpPr>
+            <a:spLocks noGrp="1"/>
+          </p:cNvSpPr>
+          <p:nvPr>
+            <p:ph type="sldNum" sz="quarter" idx="12"/>
+          </p:nvPr>
+        </p:nvSpPr>
+        <p:spPr/>
+        <p:txBody>
+          <a:bodyPr/>
+          <a:lstStyle/>
+          <a:p>
+            <a:fld id="{C3EC3709-AF19-4BC3-8020-8E9C5E0E1F7D}" type="slidenum">
+              <a:rPr lang="ko-KR" altLang="en-US" smtClean="0"/>
+              <a:t>13</a:t>
+            </a:fld>
+            <a:endParaRPr lang="ko-KR" altLang="en-US"/>
+          </a:p>
+        </p:txBody>
+      </p:sp>
+    </p:spTree>
+    <p:extLst>
+      <p:ext uri="{BB962C8B-B14F-4D97-AF65-F5344CB8AC3E}">
+        <p14:creationId xmlns:p14="http://schemas.microsoft.com/office/powerpoint/2010/main" val="192011962"/>
       </p:ext>
     </p:extLst>
   </p:cSld>
@@ -7174,44 +7303,436 @@
       </p:sp>
       <p:sp>
         <p:nvSpPr>
-          <p:cNvPr id="4" name="슬라이드 번호 개체 틀 3">
-            <a:extLst>
-              <a:ext uri="{FF2B5EF4-FFF2-40B4-BE49-F238E27FC236}">
-                <a16:creationId xmlns:a16="http://schemas.microsoft.com/office/drawing/2014/main" id="{B11A7AB9-7540-40FD-94B6-0135A3ED289C}"/>
-              </a:ext>
-            </a:extLst>
-          </p:cNvPr>
-          <p:cNvSpPr>
-            <a:spLocks noGrp="1"/>
-          </p:cNvSpPr>
-          <p:nvPr>
-            <p:ph type="sldNum" sz="quarter" idx="12"/>
-          </p:nvPr>
+          <p:cNvPr id="9" name="TextBox 8">
+            <a:extLst>
+              <a:ext uri="{FF2B5EF4-FFF2-40B4-BE49-F238E27FC236}">
+                <a16:creationId xmlns:a16="http://schemas.microsoft.com/office/drawing/2014/main" id="{19B6216F-12C7-418D-A944-6484C1992BBE}"/>
+              </a:ext>
+            </a:extLst>
+          </p:cNvPr>
+          <p:cNvSpPr txBox="1"/>
+          <p:nvPr/>
         </p:nvSpPr>
         <p:spPr>
           <a:xfrm>
-            <a:off x="8563187" y="6379936"/>
-            <a:ext cx="2743200" cy="365125"/>
+            <a:off x="231339" y="182031"/>
+            <a:ext cx="11782163" cy="461665"/>
           </a:xfrm>
+          <a:prstGeom prst="rect">
+            <a:avLst/>
+          </a:prstGeom>
+          <a:noFill/>
         </p:spPr>
         <p:txBody>
-          <a:bodyPr/>
+          <a:bodyPr wrap="square" rtlCol="0">
+            <a:spAutoFit/>
+          </a:bodyPr>
           <a:lstStyle/>
           <a:p>
-            <a:fld id="{C3EC3709-AF19-4BC3-8020-8E9C5E0E1F7D}" type="slidenum">
-              <a:rPr lang="ko-KR" altLang="en-US" smtClean="0"/>
-              <a:t>14</a:t>
-            </a:fld>
-            <a:endParaRPr lang="ko-KR" altLang="en-US"/>
+            <a:r>
+              <a:rPr lang="ko-KR" altLang="en-US" sz="2400" dirty="0"/>
+              <a:t>코드 분석 </a:t>
+            </a:r>
+            <a:r>
+              <a:rPr lang="en-US" altLang="ko-KR" sz="2400" dirty="0"/>
+              <a:t>- validation</a:t>
+            </a:r>
+            <a:endParaRPr lang="ko-KR" altLang="en-US" sz="2400" dirty="0"/>
+          </a:p>
+        </p:txBody>
+      </p:sp>
+      <p:sp>
+        <p:nvSpPr>
+          <p:cNvPr id="2" name="직사각형 1">
+            <a:extLst>
+              <a:ext uri="{FF2B5EF4-FFF2-40B4-BE49-F238E27FC236}">
+                <a16:creationId xmlns:a16="http://schemas.microsoft.com/office/drawing/2014/main" id="{33C2ECB1-E38C-40FC-8BAD-C616C39449CA}"/>
+              </a:ext>
+            </a:extLst>
+          </p:cNvPr>
+          <p:cNvSpPr/>
+          <p:nvPr/>
+        </p:nvSpPr>
+        <p:spPr>
+          <a:xfrm>
+            <a:off x="360846" y="643696"/>
+            <a:ext cx="7202699" cy="5493812"/>
+          </a:xfrm>
+          <a:prstGeom prst="rect">
+            <a:avLst/>
+          </a:prstGeom>
+        </p:spPr>
+        <p:txBody>
+          <a:bodyPr wrap="square">
+            <a:spAutoFit/>
+          </a:bodyPr>
+          <a:lstStyle/>
+          <a:p>
+            <a:r>
+              <a:rPr lang="ko-KR" altLang="en-US" sz="900" dirty="0" err="1"/>
+              <a:t>j</a:t>
+            </a:r>
+            <a:r>
+              <a:rPr lang="ko-KR" altLang="en-US" sz="900" dirty="0"/>
+              <a:t> </a:t>
+            </a:r>
+            <a:r>
+              <a:rPr lang="ko-KR" altLang="en-US" sz="900" dirty="0" err="1"/>
+              <a:t>is</a:t>
+            </a:r>
+            <a:r>
+              <a:rPr lang="ko-KR" altLang="en-US" sz="900" dirty="0"/>
+              <a:t> 32 </a:t>
+            </a:r>
+            <a:r>
+              <a:rPr lang="ko-KR" altLang="en-US" sz="900" dirty="0" err="1"/>
+              <a:t>p</a:t>
+            </a:r>
+            <a:r>
+              <a:rPr lang="ko-KR" altLang="en-US" sz="900" dirty="0"/>
+              <a:t> </a:t>
+            </a:r>
+            <a:r>
+              <a:rPr lang="ko-KR" altLang="en-US" sz="900" dirty="0" err="1"/>
+              <a:t>is</a:t>
+            </a:r>
+            <a:r>
+              <a:rPr lang="ko-KR" altLang="en-US" sz="900" dirty="0"/>
+              <a:t> [[146, 33, 251, 2860, 4, 3848, 47, 1666, 1663, 3],</a:t>
+            </a:r>
+            <a:endParaRPr lang="en-US" altLang="ko-KR" sz="900" dirty="0"/>
+          </a:p>
+          <a:p>
+            <a:r>
+              <a:rPr lang="ko-KR" altLang="en-US" sz="900" dirty="0"/>
+              <a:t> [131, 53, 409, 106, 31, 40, 7, 65, 1412, 111], </a:t>
+            </a:r>
+            <a:endParaRPr lang="en-US" altLang="ko-KR" sz="900" dirty="0"/>
+          </a:p>
+          <a:p>
+            <a:r>
+              <a:rPr lang="ko-KR" altLang="en-US" sz="900" dirty="0"/>
+              <a:t>[4, 48, 33, 30, 31, 212, 111, 146, 373, 106], </a:t>
+            </a:r>
+            <a:endParaRPr lang="en-US" altLang="ko-KR" sz="900" dirty="0"/>
+          </a:p>
+          <a:p>
+            <a:r>
+              <a:rPr lang="ko-KR" altLang="en-US" sz="900" dirty="0"/>
+              <a:t>[30, 31, 34, 210, 3016, 115, 793, 36, 1256, 857], </a:t>
+            </a:r>
+            <a:endParaRPr lang="en-US" altLang="ko-KR" sz="900" dirty="0"/>
+          </a:p>
+          <a:p>
+            <a:r>
+              <a:rPr lang="ko-KR" altLang="en-US" sz="900" dirty="0"/>
+              <a:t>[31, 115, 30, 7, 857, 1003, 87, 34, 2876, 936], </a:t>
+            </a:r>
+            <a:endParaRPr lang="en-US" altLang="ko-KR" sz="900" dirty="0"/>
+          </a:p>
+          <a:p>
+            <a:r>
+              <a:rPr lang="ko-KR" altLang="en-US" sz="900" dirty="0"/>
+              <a:t>[7, 87, 65, 31, 938, 19, 785, 115, 30, 40], </a:t>
+            </a:r>
+            <a:endParaRPr lang="en-US" altLang="ko-KR" sz="900" dirty="0"/>
+          </a:p>
+          <a:p>
+            <a:r>
+              <a:rPr lang="ko-KR" altLang="en-US" sz="900" dirty="0"/>
+              <a:t>[30, 7, 34, 31, 3384, 65, 115, 131, 3, 3016], </a:t>
+            </a:r>
+            <a:endParaRPr lang="en-US" altLang="ko-KR" sz="900" dirty="0"/>
+          </a:p>
+          <a:p>
+            <a:r>
+              <a:rPr lang="ko-KR" altLang="en-US" sz="900" dirty="0"/>
+              <a:t>[30, 34, 31, 115, 65, 36, 61, 373, 770, 229], </a:t>
+            </a:r>
+            <a:endParaRPr lang="en-US" altLang="ko-KR" sz="900" dirty="0"/>
+          </a:p>
+          <a:p>
+            <a:r>
+              <a:rPr lang="ko-KR" altLang="en-US" sz="900" dirty="0"/>
+              <a:t>[65, 31, 862, 192, 30, 409, 857, 120, 1038, 115], </a:t>
+            </a:r>
+            <a:endParaRPr lang="en-US" altLang="ko-KR" sz="900" dirty="0"/>
+          </a:p>
+          <a:p>
+            <a:r>
+              <a:rPr lang="ko-KR" altLang="en-US" sz="900" dirty="0"/>
+              <a:t>[65, 1038, 862, 507, 131, 40, 2358, 1665, 112, 409], </a:t>
+            </a:r>
+            <a:endParaRPr lang="en-US" altLang="ko-KR" sz="900" dirty="0"/>
+          </a:p>
+          <a:p>
+            <a:r>
+              <a:rPr lang="ko-KR" altLang="en-US" sz="900" dirty="0"/>
+              <a:t>[131, 65, 715, 106, 409, 1412, 3384, 53, 327, 1038], </a:t>
+            </a:r>
+            <a:endParaRPr lang="en-US" altLang="ko-KR" sz="900" dirty="0"/>
+          </a:p>
+          <a:p>
+            <a:r>
+              <a:rPr lang="ko-KR" altLang="en-US" sz="900" dirty="0"/>
+              <a:t>[40, 78, 146, 131, 365, 65, 112, 53, 16, 1412], </a:t>
+            </a:r>
+            <a:endParaRPr lang="en-US" altLang="ko-KR" sz="900" dirty="0"/>
+          </a:p>
+          <a:p>
+            <a:r>
+              <a:rPr lang="ko-KR" altLang="en-US" sz="900" dirty="0"/>
+              <a:t>[146, 33, 4, 111, 48, 47, 36, 648, 40, 242], </a:t>
+            </a:r>
+            <a:endParaRPr lang="en-US" altLang="ko-KR" sz="900" dirty="0"/>
+          </a:p>
+          <a:p>
+            <a:r>
+              <a:rPr lang="ko-KR" altLang="en-US" sz="900" dirty="0"/>
+              <a:t>[34, 229, 4715, 6639, 7, 3828, 1123, 1296, 2715, 3945]]</a:t>
+            </a:r>
+          </a:p>
+          <a:p>
+            <a:endParaRPr lang="nl-NL" altLang="ko-KR" sz="900" dirty="0"/>
+          </a:p>
+          <a:p>
+            <a:r>
+              <a:rPr lang="nl-NL" altLang="ko-KR" sz="900" dirty="0"/>
+              <a:t> j is 29 p is </a:t>
+            </a:r>
+          </a:p>
+          <a:p>
+            <a:r>
+              <a:rPr lang="nl-NL" altLang="ko-KR" sz="900" dirty="0"/>
+              <a:t>[[251, 33, 252, 146, 52, 4, 3848, 194, 2860, 51],</a:t>
+            </a:r>
+          </a:p>
+          <a:p>
+            <a:r>
+              <a:rPr lang="nl-NL" altLang="ko-KR" sz="900" dirty="0"/>
+              <a:t> [53, 131, 52, 106, 282, 970, 1412, 94, 1256, 280],</a:t>
+            </a:r>
+          </a:p>
+          <a:p>
+            <a:r>
+              <a:rPr lang="nl-NL" altLang="ko-KR" sz="900" dirty="0"/>
+              <a:t> [52, 54, 280, 1352, 1633, 94, 1383, 4, 292, 1042], </a:t>
+            </a:r>
+          </a:p>
+          <a:p>
+            <a:r>
+              <a:rPr lang="nl-NL" altLang="ko-KR" sz="900" dirty="0"/>
+              <a:t>[54, 40, 78, 52, 94, 7, 53, 171, 140, 105],</a:t>
+            </a:r>
+          </a:p>
+          <a:p>
+            <a:r>
+              <a:rPr lang="nl-NL" altLang="ko-KR" sz="900" dirty="0"/>
+              <a:t> [78, 40, 54, 55, 185, 112, 193, 94, 33, 418], </a:t>
+            </a:r>
+          </a:p>
+          <a:p>
+            <a:r>
+              <a:rPr lang="nl-NL" altLang="ko-KR" sz="900" dirty="0"/>
+              <a:t>[33, 4, 78, 146, 34, 40, 103, 48, 161, 47],</a:t>
+            </a:r>
+          </a:p>
+          <a:p>
+            <a:r>
+              <a:rPr lang="nl-NL" altLang="ko-KR" sz="900" dirty="0"/>
+              <a:t> [34, 41, 2715, 230, 229, 186, 210, 705, 768, 827],</a:t>
+            </a:r>
+          </a:p>
+          <a:p>
+            <a:r>
+              <a:rPr lang="nl-NL" altLang="ko-KR" sz="900" dirty="0"/>
+              <a:t> [2, 19, 40, 3, 78, 7, 34, 112, 805, 14],</a:t>
+            </a:r>
+          </a:p>
+          <a:p>
+            <a:r>
+              <a:rPr lang="nl-NL" altLang="ko-KR" sz="900" dirty="0"/>
+              <a:t> [7, 6, 4, 5, 1, 0, 2, 3, 8, 9]]</a:t>
+            </a:r>
+          </a:p>
+          <a:p>
+            <a:endParaRPr lang="nl-NL" altLang="ko-KR" sz="900" dirty="0"/>
+          </a:p>
+          <a:p>
+            <a:r>
+              <a:rPr lang="nl-NL" altLang="ko-KR" sz="900" dirty="0"/>
+              <a:t>j is 28 p is </a:t>
+            </a:r>
+          </a:p>
+          <a:p>
+            <a:r>
+              <a:rPr lang="nl-NL" altLang="ko-KR" sz="900" dirty="0"/>
+              <a:t>[[4, 146, 33, 252, 251, 48, 3, 3848, 2479, 111],</a:t>
+            </a:r>
+          </a:p>
+          <a:p>
+            <a:r>
+              <a:rPr lang="nl-NL" altLang="ko-KR" sz="900" dirty="0"/>
+              <a:t> [4244, 21, 2716, 1846, 1393, 3575, 61, 2723, 110, 195], </a:t>
+            </a:r>
+          </a:p>
+          <a:p>
+            <a:r>
+              <a:rPr lang="nl-NL" altLang="ko-KR" sz="900" dirty="0"/>
+              <a:t>[131, 629, 4244, 352, 327, 322, 4490, 757, 4796, 1529], </a:t>
+            </a:r>
+          </a:p>
+          <a:p>
+            <a:r>
+              <a:rPr lang="nl-NL" altLang="ko-KR" sz="900" dirty="0"/>
+              <a:t>[131, 2530, 322, 629, 327, 4244, 611, 4490, 352, 40], </a:t>
+            </a:r>
+          </a:p>
+          <a:p>
+            <a:r>
+              <a:rPr lang="nl-NL" altLang="ko-KR" sz="900" dirty="0"/>
+              <a:t>[40, 249, 322, 611, 277, 627, 295, 288, 2530, 59],</a:t>
+            </a:r>
+          </a:p>
+          <a:p>
+            <a:r>
+              <a:rPr lang="nl-NL" altLang="ko-KR" sz="900" dirty="0"/>
+              <a:t> [40, 249, 288, 78, 461, 4, 35, 627, 399, 59], </a:t>
+            </a:r>
+          </a:p>
+          <a:p>
+            <a:r>
+              <a:rPr lang="nl-NL" altLang="ko-KR" sz="900" dirty="0"/>
+              <a:t>[4, 33, 40, 48, 258, 702, 2135, 2430, 288, 146], </a:t>
+            </a:r>
+          </a:p>
+          <a:p>
+            <a:r>
+              <a:rPr lang="nl-NL" altLang="ko-KR" sz="900" dirty="0"/>
+              <a:t>[113, 64, 1453, 1402, 199, 820, 133, 29, 1040, 63], </a:t>
+            </a:r>
+          </a:p>
+          <a:p>
+            <a:r>
+              <a:rPr lang="nl-NL" altLang="ko-KR" sz="900" dirty="0"/>
+              <a:t>[2, 113, 762, 490, 258, 19, 1402, 59, 847, 3], </a:t>
+            </a:r>
+          </a:p>
+          <a:p>
+            <a:r>
+              <a:rPr lang="nl-NL" altLang="ko-KR" sz="900" dirty="0"/>
+              <a:t>[7, 6, 4, 5, 1, 0, 2, 3, 8, 9]]</a:t>
+            </a:r>
+          </a:p>
+          <a:p>
+            <a:endParaRPr lang="ko-KR" altLang="en-US" sz="900" dirty="0"/>
+          </a:p>
+          <a:p>
+            <a:endParaRPr lang="ko-KR" altLang="en-US" sz="900" dirty="0"/>
+          </a:p>
+        </p:txBody>
+      </p:sp>
+      <p:sp>
+        <p:nvSpPr>
+          <p:cNvPr id="3" name="TextBox 2">
+            <a:extLst>
+              <a:ext uri="{FF2B5EF4-FFF2-40B4-BE49-F238E27FC236}">
+                <a16:creationId xmlns:a16="http://schemas.microsoft.com/office/drawing/2014/main" id="{45952A6B-913C-4DBB-A041-C2822CD4968A}"/>
+              </a:ext>
+            </a:extLst>
+          </p:cNvPr>
+          <p:cNvSpPr txBox="1"/>
+          <p:nvPr/>
+        </p:nvSpPr>
+        <p:spPr>
+          <a:xfrm>
+            <a:off x="360846" y="5847605"/>
+            <a:ext cx="5203838" cy="646331"/>
+          </a:xfrm>
+          <a:prstGeom prst="rect">
+            <a:avLst/>
+          </a:prstGeom>
+          <a:noFill/>
+        </p:spPr>
+        <p:txBody>
+          <a:bodyPr wrap="square" rtlCol="0">
+            <a:spAutoFit/>
+          </a:bodyPr>
+          <a:lstStyle/>
+          <a:p>
+            <a:r>
+              <a:rPr lang="en-US" altLang="ko-KR" dirty="0"/>
+              <a:t>J</a:t>
+            </a:r>
+            <a:r>
+              <a:rPr lang="ko-KR" altLang="en-US" dirty="0"/>
+              <a:t>번 째 </a:t>
+            </a:r>
+            <a:r>
+              <a:rPr lang="en-US" altLang="ko-KR" dirty="0" err="1"/>
+              <a:t>captio</a:t>
+            </a:r>
+            <a:r>
+              <a:rPr lang="ko-KR" altLang="en-US" dirty="0"/>
+              <a:t>에서 나온 각 </a:t>
+            </a:r>
+            <a:r>
+              <a:rPr lang="en-US" altLang="ko-KR" dirty="0"/>
+              <a:t>t</a:t>
+            </a:r>
+            <a:r>
+              <a:rPr lang="ko-KR" altLang="en-US" dirty="0"/>
+              <a:t>시점에서 나온  </a:t>
+            </a:r>
+            <a:endParaRPr lang="en-US" altLang="ko-KR" dirty="0"/>
+          </a:p>
+          <a:p>
+            <a:r>
+              <a:rPr lang="en-US" altLang="ko-KR" dirty="0"/>
+              <a:t>Vocab</a:t>
+            </a:r>
+            <a:r>
+              <a:rPr lang="ko-KR" altLang="en-US" dirty="0"/>
+              <a:t> </a:t>
+            </a:r>
+            <a:r>
+              <a:rPr lang="en-US" altLang="ko-KR" dirty="0"/>
+              <a:t>size </a:t>
+            </a:r>
+            <a:r>
+              <a:rPr lang="ko-KR" altLang="en-US" dirty="0"/>
+              <a:t>크기의 </a:t>
+            </a:r>
+            <a:r>
+              <a:rPr lang="en-US" altLang="ko-KR" dirty="0"/>
+              <a:t>prediction score</a:t>
+            </a:r>
+            <a:r>
+              <a:rPr lang="ko-KR" altLang="en-US" dirty="0"/>
+              <a:t>  </a:t>
+            </a:r>
+            <a:r>
+              <a:rPr lang="en-US" altLang="ko-KR" dirty="0"/>
+              <a:t>top10 </a:t>
+            </a:r>
+            <a:r>
+              <a:rPr lang="ko-KR" altLang="en-US" dirty="0"/>
+              <a:t>추출 </a:t>
+            </a:r>
+            <a:r>
+              <a:rPr lang="en-US" altLang="ko-KR" dirty="0"/>
+              <a:t>? </a:t>
+            </a:r>
+            <a:endParaRPr lang="ko-KR" altLang="en-US" dirty="0"/>
           </a:p>
         </p:txBody>
       </p:sp>
       <p:pic>
         <p:nvPicPr>
-          <p:cNvPr id="5" name="그림 4">
-            <a:extLst>
-              <a:ext uri="{FF2B5EF4-FFF2-40B4-BE49-F238E27FC236}">
-                <a16:creationId xmlns:a16="http://schemas.microsoft.com/office/drawing/2014/main" id="{6CD7433E-584D-440F-96B4-8F3A65898298}"/>
+          <p:cNvPr id="7" name="그림 6">
+            <a:extLst>
+              <a:ext uri="{FF2B5EF4-FFF2-40B4-BE49-F238E27FC236}">
+                <a16:creationId xmlns:a16="http://schemas.microsoft.com/office/drawing/2014/main" id="{EBF3C364-CBDC-4DF7-A7D5-9AB33059E550}"/>
               </a:ext>
             </a:extLst>
           </p:cNvPr>
@@ -7220,27 +7741,111 @@
           </p:cNvPicPr>
           <p:nvPr/>
         </p:nvPicPr>
-        <p:blipFill rotWithShape="1">
-          <a:blip r:embed="rId3"/>
-          <a:srcRect t="41620" r="-5867"/>
-          <a:stretch/>
+        <p:blipFill>
+          <a:blip r:embed="rId2"/>
+          <a:stretch>
+            <a:fillRect/>
+          </a:stretch>
         </p:blipFill>
         <p:spPr>
           <a:xfrm>
-            <a:off x="5666022" y="2632402"/>
-            <a:ext cx="6671469" cy="4003681"/>
+            <a:off x="3803880" y="1233111"/>
+            <a:ext cx="5156097" cy="2410577"/>
           </a:xfrm>
           <a:prstGeom prst="rect">
             <a:avLst/>
           </a:prstGeom>
         </p:spPr>
       </p:pic>
+      <p:cxnSp>
+        <p:nvCxnSpPr>
+          <p:cNvPr id="11" name="직선 연결선 10">
+            <a:extLst>
+              <a:ext uri="{FF2B5EF4-FFF2-40B4-BE49-F238E27FC236}">
+                <a16:creationId xmlns:a16="http://schemas.microsoft.com/office/drawing/2014/main" id="{02B337C5-1DB1-4D25-9CA9-9DB47E790870}"/>
+              </a:ext>
+            </a:extLst>
+          </p:cNvPr>
+          <p:cNvCxnSpPr/>
+          <p:nvPr/>
+        </p:nvCxnSpPr>
+        <p:spPr>
+          <a:xfrm flipV="1">
+            <a:off x="3826118" y="1386644"/>
+            <a:ext cx="4435643" cy="36095"/>
+          </a:xfrm>
+          <a:prstGeom prst="line">
+            <a:avLst/>
+          </a:prstGeom>
+          <a:ln w="28575">
+            <a:solidFill>
+              <a:schemeClr val="accent2"/>
+            </a:solidFill>
+          </a:ln>
+        </p:spPr>
+        <p:style>
+          <a:lnRef idx="1">
+            <a:schemeClr val="accent1"/>
+          </a:lnRef>
+          <a:fillRef idx="0">
+            <a:schemeClr val="accent1"/>
+          </a:fillRef>
+          <a:effectRef idx="0">
+            <a:schemeClr val="accent1"/>
+          </a:effectRef>
+          <a:fontRef idx="minor">
+            <a:schemeClr val="tx1"/>
+          </a:fontRef>
+        </p:style>
+      </p:cxnSp>
+      <p:sp>
+        <p:nvSpPr>
+          <p:cNvPr id="12" name="직사각형 11">
+            <a:extLst>
+              <a:ext uri="{FF2B5EF4-FFF2-40B4-BE49-F238E27FC236}">
+                <a16:creationId xmlns:a16="http://schemas.microsoft.com/office/drawing/2014/main" id="{8250D91B-BFA2-44D3-9B8A-E66EC452BB47}"/>
+              </a:ext>
+            </a:extLst>
+          </p:cNvPr>
+          <p:cNvSpPr/>
+          <p:nvPr/>
+        </p:nvSpPr>
+        <p:spPr>
+          <a:xfrm>
+            <a:off x="7050750" y="5363544"/>
+            <a:ext cx="3608295" cy="369332"/>
+          </a:xfrm>
+          <a:prstGeom prst="rect">
+            <a:avLst/>
+          </a:prstGeom>
+        </p:spPr>
+        <p:txBody>
+          <a:bodyPr wrap="none">
+            <a:spAutoFit/>
+          </a:bodyPr>
+          <a:lstStyle/>
+          <a:p>
+            <a:r>
+              <a:rPr lang="ko-KR" altLang="en-US" dirty="0"/>
+              <a:t>(32, 17) </a:t>
+            </a:r>
+            <a:r>
+              <a:rPr lang="ko-KR" altLang="en-US" dirty="0" err="1"/>
+              <a:t>torch.Size</a:t>
+            </a:r>
+            <a:r>
+              <a:rPr lang="ko-KR" altLang="en-US" dirty="0"/>
+              <a:t>([32, 17, 8853])</a:t>
+            </a:r>
+          </a:p>
+        </p:txBody>
+      </p:sp>
       <p:pic>
         <p:nvPicPr>
-          <p:cNvPr id="12" name="그림 11">
-            <a:extLst>
-              <a:ext uri="{FF2B5EF4-FFF2-40B4-BE49-F238E27FC236}">
-                <a16:creationId xmlns:a16="http://schemas.microsoft.com/office/drawing/2014/main" id="{6BE2E7E3-A315-4C7E-85B9-87746A252C97}"/>
+          <p:cNvPr id="13" name="그림 12">
+            <a:extLst>
+              <a:ext uri="{FF2B5EF4-FFF2-40B4-BE49-F238E27FC236}">
+                <a16:creationId xmlns:a16="http://schemas.microsoft.com/office/drawing/2014/main" id="{EE4A0DEC-3E35-4E88-A970-7B35C63FB27A}"/>
               </a:ext>
             </a:extLst>
           </p:cNvPr>
@@ -7249,27 +7854,64 @@
           </p:cNvPicPr>
           <p:nvPr/>
         </p:nvPicPr>
-        <p:blipFill rotWithShape="1">
+        <p:blipFill>
           <a:blip r:embed="rId3"/>
-          <a:srcRect b="59583"/>
-          <a:stretch/>
+          <a:stretch>
+            <a:fillRect/>
+          </a:stretch>
         </p:blipFill>
         <p:spPr>
           <a:xfrm>
-            <a:off x="231339" y="4307343"/>
-            <a:ext cx="5294436" cy="2328740"/>
+            <a:off x="6262831" y="5906538"/>
+            <a:ext cx="5793121" cy="494857"/>
           </a:xfrm>
           <a:prstGeom prst="rect">
             <a:avLst/>
           </a:prstGeom>
         </p:spPr>
       </p:pic>
+      <p:cxnSp>
+        <p:nvCxnSpPr>
+          <p:cNvPr id="15" name="직선 연결선 14">
+            <a:extLst>
+              <a:ext uri="{FF2B5EF4-FFF2-40B4-BE49-F238E27FC236}">
+                <a16:creationId xmlns:a16="http://schemas.microsoft.com/office/drawing/2014/main" id="{0B25B23A-3E8C-4B4F-8036-163D0C245BAD}"/>
+              </a:ext>
+            </a:extLst>
+          </p:cNvPr>
+          <p:cNvCxnSpPr/>
+          <p:nvPr/>
+        </p:nvCxnSpPr>
+        <p:spPr>
+          <a:xfrm flipH="1">
+            <a:off x="5663001" y="1189112"/>
+            <a:ext cx="4324759" cy="5355777"/>
+          </a:xfrm>
+          <a:prstGeom prst="line">
+            <a:avLst/>
+          </a:prstGeom>
+        </p:spPr>
+        <p:style>
+          <a:lnRef idx="1">
+            <a:schemeClr val="accent1"/>
+          </a:lnRef>
+          <a:fillRef idx="0">
+            <a:schemeClr val="accent1"/>
+          </a:fillRef>
+          <a:effectRef idx="0">
+            <a:schemeClr val="accent1"/>
+          </a:effectRef>
+          <a:fontRef idx="minor">
+            <a:schemeClr val="tx1"/>
+          </a:fontRef>
+        </p:style>
+      </p:cxnSp>
       <p:pic>
         <p:nvPicPr>
-          <p:cNvPr id="10" name="그림 9">
-            <a:extLst>
-              <a:ext uri="{FF2B5EF4-FFF2-40B4-BE49-F238E27FC236}">
-                <a16:creationId xmlns:a16="http://schemas.microsoft.com/office/drawing/2014/main" id="{B99CE88C-BA49-4B51-87D2-4B5EDF3FA406}"/>
+          <p:cNvPr id="5" name="그림 4">
+            <a:extLst>
+              <a:ext uri="{FF2B5EF4-FFF2-40B4-BE49-F238E27FC236}">
+                <a16:creationId xmlns:a16="http://schemas.microsoft.com/office/drawing/2014/main" id="{4A85C513-ECA2-4D61-A273-5F108FBAF6F2}"/>
               </a:ext>
             </a:extLst>
           </p:cNvPr>
@@ -7286,187 +7928,18 @@
         </p:blipFill>
         <p:spPr>
           <a:xfrm>
-            <a:off x="231339" y="1739329"/>
-            <a:ext cx="9885821" cy="853091"/>
+            <a:off x="3526500" y="2749471"/>
+            <a:ext cx="7048500" cy="2095500"/>
           </a:xfrm>
           <a:prstGeom prst="rect">
             <a:avLst/>
           </a:prstGeom>
         </p:spPr>
       </p:pic>
-      <p:sp>
-        <p:nvSpPr>
-          <p:cNvPr id="13" name="TextBox 12">
-            <a:extLst>
-              <a:ext uri="{FF2B5EF4-FFF2-40B4-BE49-F238E27FC236}">
-                <a16:creationId xmlns:a16="http://schemas.microsoft.com/office/drawing/2014/main" id="{73CDD85D-A8E1-40F8-9A0C-F836952A8B30}"/>
-              </a:ext>
-            </a:extLst>
-          </p:cNvPr>
-          <p:cNvSpPr txBox="1"/>
-          <p:nvPr/>
-        </p:nvSpPr>
-        <p:spPr>
-          <a:xfrm>
-            <a:off x="231339" y="3169377"/>
-            <a:ext cx="4288221" cy="923330"/>
-          </a:xfrm>
-          <a:prstGeom prst="rect">
-            <a:avLst/>
-          </a:prstGeom>
-          <a:noFill/>
-        </p:spPr>
-        <p:txBody>
-          <a:bodyPr wrap="square" rtlCol="0">
-            <a:spAutoFit/>
-          </a:bodyPr>
-          <a:lstStyle/>
-          <a:p>
-            <a:r>
-              <a:rPr lang="en-US" altLang="ko-KR" dirty="0" err="1"/>
-              <a:t>Dec_len</a:t>
-            </a:r>
-            <a:r>
-              <a:rPr lang="ko-KR" altLang="en-US" dirty="0"/>
-              <a:t> </a:t>
-            </a:r>
-            <a:r>
-              <a:rPr lang="en-US" altLang="ko-KR" dirty="0"/>
-              <a:t>:</a:t>
-            </a:r>
-            <a:r>
-              <a:rPr lang="ko-KR" altLang="en-US" dirty="0"/>
-              <a:t> </a:t>
-            </a:r>
-            <a:r>
-              <a:rPr lang="en-US" altLang="ko-KR" dirty="0"/>
-              <a:t>batch</a:t>
-            </a:r>
-            <a:r>
-              <a:rPr lang="ko-KR" altLang="en-US" dirty="0"/>
-              <a:t>안에 있는 </a:t>
-            </a:r>
-            <a:r>
-              <a:rPr lang="en-US" altLang="ko-KR" dirty="0"/>
-              <a:t>caption</a:t>
-            </a:r>
-            <a:r>
-              <a:rPr lang="ko-KR" altLang="en-US" dirty="0"/>
-              <a:t>들의 길이 </a:t>
-            </a:r>
-            <a:r>
-              <a:rPr lang="en-US" altLang="ko-KR" dirty="0"/>
-              <a:t>list</a:t>
-            </a:r>
-          </a:p>
-          <a:p>
-            <a:r>
-              <a:rPr lang="en-US" altLang="ko-KR" dirty="0" err="1"/>
-              <a:t>Batch_size_t</a:t>
-            </a:r>
-            <a:r>
-              <a:rPr lang="en-US" altLang="ko-KR" dirty="0"/>
-              <a:t> : -&gt;captions</a:t>
-            </a:r>
-            <a:endParaRPr lang="ko-KR" altLang="en-US" dirty="0"/>
-          </a:p>
-        </p:txBody>
-      </p:sp>
-      <p:sp>
-        <p:nvSpPr>
-          <p:cNvPr id="14" name="직사각형 13">
-            <a:extLst>
-              <a:ext uri="{FF2B5EF4-FFF2-40B4-BE49-F238E27FC236}">
-                <a16:creationId xmlns:a16="http://schemas.microsoft.com/office/drawing/2014/main" id="{2C30023A-1BF9-416B-90FA-97E76C028B9F}"/>
-              </a:ext>
-            </a:extLst>
-          </p:cNvPr>
-          <p:cNvSpPr/>
-          <p:nvPr/>
-        </p:nvSpPr>
-        <p:spPr>
-          <a:xfrm>
-            <a:off x="231339" y="985680"/>
-            <a:ext cx="11450128" cy="646331"/>
-          </a:xfrm>
-          <a:prstGeom prst="rect">
-            <a:avLst/>
-          </a:prstGeom>
-        </p:spPr>
-        <p:txBody>
-          <a:bodyPr wrap="square">
-            <a:spAutoFit/>
-          </a:bodyPr>
-          <a:lstStyle/>
-          <a:p>
-            <a:r>
-              <a:rPr lang="ko-KR" altLang="en-US" dirty="0" err="1"/>
-              <a:t>dec_len</a:t>
-            </a:r>
-            <a:r>
-              <a:rPr lang="ko-KR" altLang="en-US" dirty="0"/>
-              <a:t> = [22, 18, 14, 13, 13, 13, 13, 13, 12, 12, 12, 12, 12, 12, 11, 11, 11, 11, 11, 11, 11, 11, 11, 11, 11, 11, 10, 10, 10, 9, 9, 9]  </a:t>
-            </a:r>
-            <a:r>
-              <a:rPr lang="en-US" altLang="ko-KR" dirty="0"/>
-              <a:t>( batch </a:t>
-            </a:r>
-            <a:r>
-              <a:rPr lang="ko-KR" altLang="en-US" dirty="0"/>
-              <a:t>한 개</a:t>
-            </a:r>
-            <a:r>
-              <a:rPr lang="en-US" altLang="ko-KR" dirty="0"/>
-              <a:t>)</a:t>
-            </a:r>
-            <a:endParaRPr lang="ko-KR" altLang="en-US" dirty="0"/>
-          </a:p>
-        </p:txBody>
-      </p:sp>
-      <p:sp>
-        <p:nvSpPr>
-          <p:cNvPr id="15" name="TextBox 14">
-            <a:extLst>
-              <a:ext uri="{FF2B5EF4-FFF2-40B4-BE49-F238E27FC236}">
-                <a16:creationId xmlns:a16="http://schemas.microsoft.com/office/drawing/2014/main" id="{0C02A98F-E2EB-4D52-BF09-D76E8BA75EC9}"/>
-              </a:ext>
-            </a:extLst>
-          </p:cNvPr>
-          <p:cNvSpPr txBox="1"/>
-          <p:nvPr/>
-        </p:nvSpPr>
-        <p:spPr>
-          <a:xfrm>
-            <a:off x="231339" y="182031"/>
-            <a:ext cx="11782163" cy="461665"/>
-          </a:xfrm>
-          <a:prstGeom prst="rect">
-            <a:avLst/>
-          </a:prstGeom>
-          <a:noFill/>
-        </p:spPr>
-        <p:txBody>
-          <a:bodyPr wrap="square" rtlCol="0">
-            <a:spAutoFit/>
-          </a:bodyPr>
-          <a:lstStyle/>
-          <a:p>
-            <a:r>
-              <a:rPr lang="ko-KR" altLang="en-US" sz="2400" dirty="0"/>
-              <a:t>코드 분석 </a:t>
-            </a:r>
-            <a:r>
-              <a:rPr lang="en-US" altLang="ko-KR" sz="2400" dirty="0"/>
-              <a:t>– Main.py </a:t>
-            </a:r>
-            <a:endParaRPr lang="ko-KR" altLang="en-US" sz="2400" dirty="0"/>
-          </a:p>
-        </p:txBody>
-      </p:sp>
     </p:spTree>
     <p:extLst>
       <p:ext uri="{BB962C8B-B14F-4D97-AF65-F5344CB8AC3E}">
-        <p14:creationId xmlns:p14="http://schemas.microsoft.com/office/powerpoint/2010/main" val="3603391568"/>
+        <p14:creationId xmlns:p14="http://schemas.microsoft.com/office/powerpoint/2010/main" val="3453123681"/>
       </p:ext>
     </p:extLst>
   </p:cSld>
@@ -7495,10 +7968,70 @@
       </p:grpSpPr>
       <p:sp>
         <p:nvSpPr>
+          <p:cNvPr id="8" name="직사각형 7">
+            <a:extLst>
+              <a:ext uri="{FF2B5EF4-FFF2-40B4-BE49-F238E27FC236}">
+                <a16:creationId xmlns:a16="http://schemas.microsoft.com/office/drawing/2014/main" id="{212AE0A1-5F92-478A-A843-443E581BDF91}"/>
+              </a:ext>
+            </a:extLst>
+          </p:cNvPr>
+          <p:cNvSpPr/>
+          <p:nvPr/>
+        </p:nvSpPr>
+        <p:spPr>
+          <a:xfrm>
+            <a:off x="0" y="-1"/>
+            <a:ext cx="12192000" cy="825731"/>
+          </a:xfrm>
+          <a:prstGeom prst="rect">
+            <a:avLst/>
+          </a:prstGeom>
+          <a:solidFill>
+            <a:schemeClr val="accent6">
+              <a:lumMod val="40000"/>
+              <a:lumOff val="60000"/>
+            </a:schemeClr>
+          </a:solidFill>
+          <a:ln>
+            <a:solidFill>
+              <a:schemeClr val="accent6">
+                <a:lumMod val="40000"/>
+                <a:lumOff val="60000"/>
+              </a:schemeClr>
+            </a:solidFill>
+          </a:ln>
+        </p:spPr>
+        <p:style>
+          <a:lnRef idx="2">
+            <a:schemeClr val="accent1">
+              <a:shade val="50000"/>
+            </a:schemeClr>
+          </a:lnRef>
+          <a:fillRef idx="1">
+            <a:schemeClr val="accent1"/>
+          </a:fillRef>
+          <a:effectRef idx="0">
+            <a:schemeClr val="accent1"/>
+          </a:effectRef>
+          <a:fontRef idx="minor">
+            <a:schemeClr val="lt1"/>
+          </a:fontRef>
+        </p:style>
+        <p:txBody>
+          <a:bodyPr rtlCol="0" anchor="ctr"/>
+          <a:lstStyle/>
+          <a:p>
+            <a:pPr algn="ctr"/>
+            <a:endParaRPr lang="ko-KR" altLang="en-US"/>
+          </a:p>
+        </p:txBody>
+      </p:sp>
+      <p:sp>
+        <p:nvSpPr>
           <p:cNvPr id="4" name="슬라이드 번호 개체 틀 3">
             <a:extLst>
               <a:ext uri="{FF2B5EF4-FFF2-40B4-BE49-F238E27FC236}">
-                <a16:creationId xmlns:a16="http://schemas.microsoft.com/office/drawing/2014/main" id="{8A52180F-95BA-48F2-BB00-3AC13F31BEB6}"/>
+                <a16:creationId xmlns:a16="http://schemas.microsoft.com/office/drawing/2014/main" id="{B11A7AB9-7540-40FD-94B6-0135A3ED289C}"/>
               </a:ext>
             </a:extLst>
           </p:cNvPr>
@@ -7509,7 +8042,12 @@
             <p:ph type="sldNum" sz="quarter" idx="12"/>
           </p:nvPr>
         </p:nvSpPr>
-        <p:spPr/>
+        <p:spPr>
+          <a:xfrm>
+            <a:off x="8563187" y="6379936"/>
+            <a:ext cx="2743200" cy="365125"/>
+          </a:xfrm>
+        </p:spPr>
         <p:txBody>
           <a:bodyPr/>
           <a:lstStyle/>
@@ -7522,182 +8060,267 @@
           </a:p>
         </p:txBody>
       </p:sp>
-      <p:sp>
-        <p:nvSpPr>
-          <p:cNvPr id="2" name="직사각형 1">
-            <a:extLst>
-              <a:ext uri="{FF2B5EF4-FFF2-40B4-BE49-F238E27FC236}">
-                <a16:creationId xmlns:a16="http://schemas.microsoft.com/office/drawing/2014/main" id="{DE928BF8-F0C9-452A-9C91-422748CBBFA4}"/>
-              </a:ext>
-            </a:extLst>
-          </p:cNvPr>
-          <p:cNvSpPr/>
+      <p:pic>
+        <p:nvPicPr>
+          <p:cNvPr id="5" name="그림 4">
+            <a:extLst>
+              <a:ext uri="{FF2B5EF4-FFF2-40B4-BE49-F238E27FC236}">
+                <a16:creationId xmlns:a16="http://schemas.microsoft.com/office/drawing/2014/main" id="{6CD7433E-584D-440F-96B4-8F3A65898298}"/>
+              </a:ext>
+            </a:extLst>
+          </p:cNvPr>
+          <p:cNvPicPr>
+            <a:picLocks noChangeAspect="1"/>
+          </p:cNvPicPr>
           <p:nvPr/>
-        </p:nvSpPr>
+        </p:nvPicPr>
+        <p:blipFill rotWithShape="1">
+          <a:blip r:embed="rId3"/>
+          <a:srcRect t="41620" r="-5867"/>
+          <a:stretch/>
+        </p:blipFill>
         <p:spPr>
           <a:xfrm>
-            <a:off x="936638" y="893306"/>
-            <a:ext cx="6096000" cy="3416320"/>
+            <a:off x="5666022" y="2632402"/>
+            <a:ext cx="6671469" cy="4003681"/>
           </a:xfrm>
           <a:prstGeom prst="rect">
             <a:avLst/>
           </a:prstGeom>
         </p:spPr>
-        <p:txBody>
-          <a:bodyPr>
+      </p:pic>
+      <p:pic>
+        <p:nvPicPr>
+          <p:cNvPr id="12" name="그림 11">
+            <a:extLst>
+              <a:ext uri="{FF2B5EF4-FFF2-40B4-BE49-F238E27FC236}">
+                <a16:creationId xmlns:a16="http://schemas.microsoft.com/office/drawing/2014/main" id="{6BE2E7E3-A315-4C7E-85B9-87746A252C97}"/>
+              </a:ext>
+            </a:extLst>
+          </p:cNvPr>
+          <p:cNvPicPr>
+            <a:picLocks noChangeAspect="1"/>
+          </p:cNvPicPr>
+          <p:nvPr/>
+        </p:nvPicPr>
+        <p:blipFill rotWithShape="1">
+          <a:blip r:embed="rId3"/>
+          <a:srcRect b="59583"/>
+          <a:stretch/>
+        </p:blipFill>
+        <p:spPr>
+          <a:xfrm>
+            <a:off x="231339" y="4307343"/>
+            <a:ext cx="5294436" cy="2328740"/>
+          </a:xfrm>
+          <a:prstGeom prst="rect">
+            <a:avLst/>
+          </a:prstGeom>
+        </p:spPr>
+      </p:pic>
+      <p:pic>
+        <p:nvPicPr>
+          <p:cNvPr id="10" name="그림 9">
+            <a:extLst>
+              <a:ext uri="{FF2B5EF4-FFF2-40B4-BE49-F238E27FC236}">
+                <a16:creationId xmlns:a16="http://schemas.microsoft.com/office/drawing/2014/main" id="{B99CE88C-BA49-4B51-87D2-4B5EDF3FA406}"/>
+              </a:ext>
+            </a:extLst>
+          </p:cNvPr>
+          <p:cNvPicPr>
+            <a:picLocks noChangeAspect="1"/>
+          </p:cNvPicPr>
+          <p:nvPr/>
+        </p:nvPicPr>
+        <p:blipFill>
+          <a:blip r:embed="rId4"/>
+          <a:stretch>
+            <a:fillRect/>
+          </a:stretch>
+        </p:blipFill>
+        <p:spPr>
+          <a:xfrm>
+            <a:off x="231339" y="1739329"/>
+            <a:ext cx="9885821" cy="853091"/>
+          </a:xfrm>
+          <a:prstGeom prst="rect">
+            <a:avLst/>
+          </a:prstGeom>
+        </p:spPr>
+      </p:pic>
+      <p:sp>
+        <p:nvSpPr>
+          <p:cNvPr id="13" name="TextBox 12">
+            <a:extLst>
+              <a:ext uri="{FF2B5EF4-FFF2-40B4-BE49-F238E27FC236}">
+                <a16:creationId xmlns:a16="http://schemas.microsoft.com/office/drawing/2014/main" id="{73CDD85D-A8E1-40F8-9A0C-F836952A8B30}"/>
+              </a:ext>
+            </a:extLst>
+          </p:cNvPr>
+          <p:cNvSpPr txBox="1"/>
+          <p:nvPr/>
+        </p:nvSpPr>
+        <p:spPr>
+          <a:xfrm>
+            <a:off x="231339" y="3169377"/>
+            <a:ext cx="4288221" cy="923330"/>
+          </a:xfrm>
+          <a:prstGeom prst="rect">
+            <a:avLst/>
+          </a:prstGeom>
+          <a:noFill/>
+        </p:spPr>
+        <p:txBody>
+          <a:bodyPr wrap="square" rtlCol="0">
             <a:spAutoFit/>
           </a:bodyPr>
           <a:lstStyle/>
           <a:p>
             <a:r>
-              <a:rPr lang="en-US" altLang="ko-KR" sz="900" dirty="0"/>
-              <a:t>###### [[</a:t>
-            </a:r>
-          </a:p>
-          <a:p>
-            <a:r>
-              <a:rPr lang="en-US" altLang="ko-KR" sz="900" dirty="0"/>
-              <a:t>[4, 170, 1055, 161, 4064, 177, 524, 170, 3, 366, 131, 4124, 162, 379, 33, 354, 208, 52, 1307, 19], </a:t>
-            </a:r>
-          </a:p>
-          <a:p>
-            <a:r>
-              <a:rPr lang="en-US" altLang="ko-KR" sz="900" dirty="0"/>
-              <a:t>[4, 170, 1055, 161, 4064, 177, 524, 170, 3, 366, 131, 4124, 162, 379, 33, 354, 208, 52, 1307, 19], </a:t>
-            </a:r>
-          </a:p>
-          <a:p>
-            <a:r>
-              <a:rPr lang="en-US" altLang="ko-KR" sz="900" dirty="0"/>
-              <a:t>[4, 170, 1055, 161, 4064, 177, 524, 170, 3, 366, 131, 4124, 162, 379, 33, 354, 208, 52, 1307, 19], </a:t>
-            </a:r>
-          </a:p>
-          <a:p>
-            <a:r>
-              <a:rPr lang="en-US" altLang="ko-KR" sz="900" dirty="0"/>
-              <a:t>[4, 170, 1055, 161, 4064, 177, 524, 170, 3, 366, 131, 4124, 162, 379, 33, 354, 208, 52, 1307, 19],</a:t>
-            </a:r>
-          </a:p>
-          <a:p>
-            <a:r>
-              <a:rPr lang="en-US" altLang="ko-KR" sz="900" dirty="0"/>
-              <a:t>[4, 170, 1055, 161, 4064, 177, 524, 170, 3, 366, 131, 4124, 162, 379, 33, 354, 208, 52, 1307, 19], </a:t>
-            </a:r>
-          </a:p>
-          <a:p>
-            <a:r>
-              <a:rPr lang="en-US" altLang="ko-KR" sz="900" dirty="0"/>
-              <a:t>[4, 170, 1055, 161, 4064, 177, 524, 170, 3, 366, 131, 4124, 162, 379, 33, 354, 208, 52, 1307, 19], </a:t>
-            </a:r>
-          </a:p>
-          <a:p>
-            <a:r>
-              <a:rPr lang="en-US" altLang="ko-KR" sz="900" dirty="0"/>
-              <a:t>[4, 170, 1055, 161, 4064, 177, 524, 170, 3, 366, 131, 4124, 162, 379, 33, 354, 208, 52, 1307, 19], </a:t>
-            </a:r>
-          </a:p>
-          <a:p>
-            <a:r>
-              <a:rPr lang="en-US" altLang="ko-KR" sz="900" dirty="0"/>
-              <a:t>[4, 170, 1055, 161, 4064, 177, 524, 170, 3, 366, 131, 4124, 162, 379, 33, 354, 208, 52, 1307, 19], </a:t>
-            </a:r>
-          </a:p>
-          <a:p>
-            <a:r>
-              <a:rPr lang="en-US" altLang="ko-KR" sz="900" dirty="0"/>
-              <a:t>[4, 170, 1055, 161, 4064, 177, 524, 170, 3, 366, 131, 4124, 162, 379, 33, 354, 208, 52, 1307, 19], </a:t>
-            </a:r>
-          </a:p>
-          <a:p>
-            <a:r>
-              <a:rPr lang="en-US" altLang="ko-KR" sz="900" dirty="0"/>
-              <a:t>[4, 170, 1055, 161, 4064, 177, 524, 170, 3, 366, 131, 4124, 162, 379, 33, 354, 208, 52, 1307, 19], </a:t>
-            </a:r>
-          </a:p>
-          <a:p>
-            <a:r>
-              <a:rPr lang="en-US" altLang="ko-KR" sz="900" dirty="0"/>
-              <a:t>[4, 170, 1055, 161, 4064, 177, 524, 170, 3, 366, 131, 4124, 162, 379, 33, 354, 208, 52, 1307, 19],</a:t>
-            </a:r>
-          </a:p>
-          <a:p>
-            <a:r>
-              <a:rPr lang="en-US" altLang="ko-KR" sz="900" dirty="0"/>
-              <a:t>[4, 170, 1055, 161, 4064, 177, 524, 170, 3, 366, 131, 4124, 162, 379, 33, 354, 208, 52, 1307, 19], </a:t>
-            </a:r>
-          </a:p>
-          <a:p>
-            <a:r>
-              <a:rPr lang="en-US" altLang="ko-KR" sz="900" dirty="0"/>
-              <a:t>[4, 170, 1055, 161, 4064, 177, 524, 170, 3, 366, 131, 4124, 162, 379, 33, 354, 208, 52, 1307, 19], </a:t>
-            </a:r>
-          </a:p>
-          <a:p>
-            <a:r>
-              <a:rPr lang="en-US" altLang="ko-KR" sz="900" dirty="0"/>
-              <a:t>[4, 170, 1055, 161, 4064, 177, 524, 170, 3, 366, 131, 4124, 162, 379, 33, 354, 208, 52, 1307, 19], </a:t>
-            </a:r>
-          </a:p>
-          <a:p>
-            <a:r>
-              <a:rPr lang="en-US" altLang="ko-KR" sz="900" dirty="0"/>
-              <a:t>[4, 170, 1055, 161, 4064, 177, 524, 170, 3, 366, 131, 4124, 162, 379, 33, 354, 208, 52, 1307, 19], </a:t>
-            </a:r>
-          </a:p>
-          <a:p>
-            <a:r>
-              <a:rPr lang="en-US" altLang="ko-KR" sz="900" dirty="0"/>
-              <a:t>[4, 170, 1055, 161, 4064, 177, 524, 170, 3, 366, 131, 4124, 162, 379, 33, 354, 208, 52, 1307, 19], </a:t>
-            </a:r>
-          </a:p>
-          <a:p>
-            <a:r>
-              <a:rPr lang="en-US" altLang="ko-KR" sz="900" dirty="0"/>
-              <a:t>[4, 170, 1055, 161, 4064, 177, 524, 170, 3, 366, 131, 4124, 162, 379, 33, 354, 208, 52, 1307, 19], </a:t>
-            </a:r>
-          </a:p>
-          <a:p>
-            <a:r>
-              <a:rPr lang="en-US" altLang="ko-KR" sz="900" dirty="0"/>
-              <a:t>[4, 170, 1055, 161, 4064, 177, 524, 170, 3, 366, 131, 4124, 162, 379, 33, 354, 208, 52, 1307, 19], </a:t>
-            </a:r>
-          </a:p>
-          <a:p>
-            <a:r>
-              <a:rPr lang="en-US" altLang="ko-KR" sz="900" dirty="0"/>
-              <a:t>[4, 170, 1055, 161, 4064, 177, 524, 170, 3, 366, 131, 4124, 162, 379, 33, 354, 208, 52, 1307, 19], </a:t>
-            </a:r>
-          </a:p>
-          <a:p>
-            <a:r>
-              <a:rPr lang="en-US" altLang="ko-KR" sz="900" dirty="0"/>
-              <a:t>[4, 170, 1055, 161, 4064, 177, 524, 170, 3, 366, 131, 4124, 162, 379, 33, 354, 208, 52, 1307, 19], </a:t>
-            </a:r>
-          </a:p>
-          <a:p>
-            <a:r>
-              <a:rPr lang="en-US" altLang="ko-KR" sz="900" dirty="0"/>
-              <a:t>[4, 170, 1055, 161, 4064, 177, 524, 170, 3, 366, 131, 4124, 162, 379, 33, 354, 208, 52, 1307, 19]</a:t>
-            </a:r>
-          </a:p>
-          <a:p>
-            <a:r>
-              <a:rPr lang="en-US" altLang="ko-KR" sz="900" dirty="0"/>
-              <a:t>]] </a:t>
-            </a:r>
-          </a:p>
-          <a:p>
-            <a:r>
-              <a:rPr lang="en-US" altLang="ko-KR" sz="900" dirty="0"/>
-              <a:t>[[4, 170, 727, 161, 4064, 177, 4, 170, 131, 131, 131, 366, 7, 379, 33, 354, 22, 33, 1307, 19]]</a:t>
-            </a:r>
+              <a:rPr lang="en-US" altLang="ko-KR" dirty="0" err="1"/>
+              <a:t>Dec_len</a:t>
+            </a:r>
+            <a:r>
+              <a:rPr lang="ko-KR" altLang="en-US" dirty="0"/>
+              <a:t> </a:t>
+            </a:r>
+            <a:r>
+              <a:rPr lang="en-US" altLang="ko-KR" dirty="0"/>
+              <a:t>:</a:t>
+            </a:r>
+            <a:r>
+              <a:rPr lang="ko-KR" altLang="en-US" dirty="0"/>
+              <a:t> </a:t>
+            </a:r>
+            <a:r>
+              <a:rPr lang="en-US" altLang="ko-KR" dirty="0"/>
+              <a:t>batch</a:t>
+            </a:r>
+            <a:r>
+              <a:rPr lang="ko-KR" altLang="en-US" dirty="0"/>
+              <a:t>안에 있는 </a:t>
+            </a:r>
+            <a:r>
+              <a:rPr lang="en-US" altLang="ko-KR" dirty="0"/>
+              <a:t>caption</a:t>
+            </a:r>
+            <a:r>
+              <a:rPr lang="ko-KR" altLang="en-US" dirty="0"/>
+              <a:t>들의 길이 </a:t>
+            </a:r>
+            <a:r>
+              <a:rPr lang="en-US" altLang="ko-KR" dirty="0"/>
+              <a:t>list</a:t>
+            </a:r>
+          </a:p>
+          <a:p>
+            <a:r>
+              <a:rPr lang="en-US" altLang="ko-KR" dirty="0" err="1"/>
+              <a:t>Batch_size_t</a:t>
+            </a:r>
+            <a:r>
+              <a:rPr lang="en-US" altLang="ko-KR" dirty="0"/>
+              <a:t> : -&gt;captions</a:t>
+            </a:r>
+            <a:endParaRPr lang="ko-KR" altLang="en-US" dirty="0"/>
+          </a:p>
+        </p:txBody>
+      </p:sp>
+      <p:sp>
+        <p:nvSpPr>
+          <p:cNvPr id="14" name="직사각형 13">
+            <a:extLst>
+              <a:ext uri="{FF2B5EF4-FFF2-40B4-BE49-F238E27FC236}">
+                <a16:creationId xmlns:a16="http://schemas.microsoft.com/office/drawing/2014/main" id="{2C30023A-1BF9-416B-90FA-97E76C028B9F}"/>
+              </a:ext>
+            </a:extLst>
+          </p:cNvPr>
+          <p:cNvSpPr/>
+          <p:nvPr/>
+        </p:nvSpPr>
+        <p:spPr>
+          <a:xfrm>
+            <a:off x="231339" y="985680"/>
+            <a:ext cx="11450128" cy="646331"/>
+          </a:xfrm>
+          <a:prstGeom prst="rect">
+            <a:avLst/>
+          </a:prstGeom>
+        </p:spPr>
+        <p:txBody>
+          <a:bodyPr wrap="square">
+            <a:spAutoFit/>
+          </a:bodyPr>
+          <a:lstStyle/>
+          <a:p>
+            <a:r>
+              <a:rPr lang="ko-KR" altLang="en-US" dirty="0" err="1"/>
+              <a:t>dec_len</a:t>
+            </a:r>
+            <a:r>
+              <a:rPr lang="ko-KR" altLang="en-US" dirty="0"/>
+              <a:t> = [22, 18, 14, 13, 13, 13, 13, 13, 12, 12, 12, 12, 12, 12, 11, 11, 11, 11, 11, 11, 11, 11, 11, 11, 11, 11, 10, 10, 10, 9, 9, 9]  </a:t>
+            </a:r>
+            <a:r>
+              <a:rPr lang="en-US" altLang="ko-KR" dirty="0"/>
+              <a:t>( batch </a:t>
+            </a:r>
+            <a:r>
+              <a:rPr lang="ko-KR" altLang="en-US" dirty="0"/>
+              <a:t>한 개</a:t>
+            </a:r>
+            <a:r>
+              <a:rPr lang="en-US" altLang="ko-KR" dirty="0"/>
+              <a:t>)</a:t>
+            </a:r>
+            <a:endParaRPr lang="ko-KR" altLang="en-US" dirty="0"/>
+          </a:p>
+        </p:txBody>
+      </p:sp>
+      <p:sp>
+        <p:nvSpPr>
+          <p:cNvPr id="15" name="TextBox 14">
+            <a:extLst>
+              <a:ext uri="{FF2B5EF4-FFF2-40B4-BE49-F238E27FC236}">
+                <a16:creationId xmlns:a16="http://schemas.microsoft.com/office/drawing/2014/main" id="{0C02A98F-E2EB-4D52-BF09-D76E8BA75EC9}"/>
+              </a:ext>
+            </a:extLst>
+          </p:cNvPr>
+          <p:cNvSpPr txBox="1"/>
+          <p:nvPr/>
+        </p:nvSpPr>
+        <p:spPr>
+          <a:xfrm>
+            <a:off x="231339" y="182031"/>
+            <a:ext cx="11782163" cy="461665"/>
+          </a:xfrm>
+          <a:prstGeom prst="rect">
+            <a:avLst/>
+          </a:prstGeom>
+          <a:noFill/>
+        </p:spPr>
+        <p:txBody>
+          <a:bodyPr wrap="square" rtlCol="0">
+            <a:spAutoFit/>
+          </a:bodyPr>
+          <a:lstStyle/>
+          <a:p>
+            <a:r>
+              <a:rPr lang="ko-KR" altLang="en-US" sz="2400" dirty="0"/>
+              <a:t>코드 분석 </a:t>
+            </a:r>
+            <a:r>
+              <a:rPr lang="en-US" altLang="ko-KR" sz="2400" dirty="0"/>
+              <a:t>– Main.py </a:t>
+            </a:r>
+            <a:endParaRPr lang="ko-KR" altLang="en-US" sz="2400" dirty="0"/>
           </a:p>
         </p:txBody>
       </p:sp>
     </p:spTree>
     <p:extLst>
       <p:ext uri="{BB962C8B-B14F-4D97-AF65-F5344CB8AC3E}">
-        <p14:creationId xmlns:p14="http://schemas.microsoft.com/office/powerpoint/2010/main" val="1965471103"/>
+        <p14:creationId xmlns:p14="http://schemas.microsoft.com/office/powerpoint/2010/main" val="3603391568"/>
       </p:ext>
     </p:extLst>
   </p:cSld>
@@ -12951,7 +13574,7 @@
             <p:nvPr/>
           </p:nvPicPr>
           <p:blipFill>
-            <a:blip r:embed="rId2"/>
+            <a:blip r:embed="rId3"/>
             <a:stretch>
               <a:fillRect/>
             </a:stretch>
@@ -13131,7 +13754,7 @@
           <p:nvPr/>
         </p:nvPicPr>
         <p:blipFill rotWithShape="1">
-          <a:blip r:embed="rId3"/>
+          <a:blip r:embed="rId4"/>
           <a:srcRect r="25204" b="73555"/>
           <a:stretch/>
         </p:blipFill>
